--- a/Submission/YourName_BiologyPoster_2025.pptx
+++ b/Submission/YourName_BiologyPoster_2025.pptx
@@ -4,6 +4,9 @@
   <p:sldMasterIdLst>
     <p:sldMasterId id="2147483672" r:id="rId1"/>
   </p:sldMasterIdLst>
+  <p:notesMasterIdLst>
+    <p:notesMasterId r:id="rId3"/>
+  </p:notesMasterIdLst>
   <p:sldIdLst>
     <p:sldId id="256" r:id="rId2"/>
   </p:sldIdLst>
@@ -112,6 +115,440 @@
 </p:presentation>
 </file>
 
+<file path=ppt/notesMasters/notesMaster1.xml><?xml version="1.0" encoding="utf-8"?>
+<p:notesMaster xmlns:a="http://schemas.openxmlformats.org/drawingml/2006/main" xmlns:r="http://schemas.openxmlformats.org/officeDocument/2006/relationships" xmlns:p="http://schemas.openxmlformats.org/presentationml/2006/main">
+  <p:cSld>
+    <p:bg>
+      <p:bgRef idx="1001">
+        <a:schemeClr val="bg1"/>
+      </p:bgRef>
+    </p:bg>
+    <p:spTree>
+      <p:nvGrpSpPr>
+        <p:cNvPr id="1" name=""/>
+        <p:cNvGrpSpPr/>
+        <p:nvPr/>
+      </p:nvGrpSpPr>
+      <p:grpSpPr>
+        <a:xfrm>
+          <a:off x="0" y="0"/>
+          <a:ext cx="0" cy="0"/>
+          <a:chOff x="0" y="0"/>
+          <a:chExt cx="0" cy="0"/>
+        </a:xfrm>
+      </p:grpSpPr>
+      <p:sp>
+        <p:nvSpPr>
+          <p:cNvPr id="2" name="Header Placeholder 1"/>
+          <p:cNvSpPr>
+            <a:spLocks noGrp="1"/>
+          </p:cNvSpPr>
+          <p:nvPr>
+            <p:ph type="hdr" sz="quarter"/>
+          </p:nvPr>
+        </p:nvSpPr>
+        <p:spPr>
+          <a:xfrm>
+            <a:off x="0" y="0"/>
+            <a:ext cx="2971800" cy="458788"/>
+          </a:xfrm>
+          <a:prstGeom prst="rect">
+            <a:avLst/>
+          </a:prstGeom>
+        </p:spPr>
+        <p:txBody>
+          <a:bodyPr vert="horz" lIns="91440" tIns="45720" rIns="91440" bIns="45720" rtlCol="0"/>
+          <a:lstStyle>
+            <a:lvl1pPr algn="l">
+              <a:defRPr sz="1200"/>
+            </a:lvl1pPr>
+          </a:lstStyle>
+          <a:p>
+            <a:endParaRPr lang="en-GB"/>
+          </a:p>
+        </p:txBody>
+      </p:sp>
+      <p:sp>
+        <p:nvSpPr>
+          <p:cNvPr id="3" name="Date Placeholder 2"/>
+          <p:cNvSpPr>
+            <a:spLocks noGrp="1"/>
+          </p:cNvSpPr>
+          <p:nvPr>
+            <p:ph type="dt" idx="1"/>
+          </p:nvPr>
+        </p:nvSpPr>
+        <p:spPr>
+          <a:xfrm>
+            <a:off x="3884613" y="0"/>
+            <a:ext cx="2971800" cy="458788"/>
+          </a:xfrm>
+          <a:prstGeom prst="rect">
+            <a:avLst/>
+          </a:prstGeom>
+        </p:spPr>
+        <p:txBody>
+          <a:bodyPr vert="horz" lIns="91440" tIns="45720" rIns="91440" bIns="45720" rtlCol="0"/>
+          <a:lstStyle>
+            <a:lvl1pPr algn="r">
+              <a:defRPr sz="1200"/>
+            </a:lvl1pPr>
+          </a:lstStyle>
+          <a:p>
+            <a:fld id="{D4CFE1D1-870C-40F5-96F8-355ABF586038}" type="datetimeFigureOut">
+              <a:rPr lang="en-GB" smtClean="0"/>
+              <a:t>07/11/2025</a:t>
+            </a:fld>
+            <a:endParaRPr lang="en-GB"/>
+          </a:p>
+        </p:txBody>
+      </p:sp>
+      <p:sp>
+        <p:nvSpPr>
+          <p:cNvPr id="4" name="Slide Image Placeholder 3"/>
+          <p:cNvSpPr>
+            <a:spLocks noGrp="1" noRot="1" noChangeAspect="1"/>
+          </p:cNvSpPr>
+          <p:nvPr>
+            <p:ph type="sldImg" idx="2"/>
+          </p:nvPr>
+        </p:nvSpPr>
+        <p:spPr>
+          <a:xfrm>
+            <a:off x="2338388" y="1143000"/>
+            <a:ext cx="2181225" cy="3086100"/>
+          </a:xfrm>
+          <a:prstGeom prst="rect">
+            <a:avLst/>
+          </a:prstGeom>
+          <a:noFill/>
+          <a:ln w="12700">
+            <a:solidFill>
+              <a:prstClr val="black"/>
+            </a:solidFill>
+          </a:ln>
+        </p:spPr>
+        <p:txBody>
+          <a:bodyPr vert="horz" lIns="91440" tIns="45720" rIns="91440" bIns="45720" rtlCol="0" anchor="ctr"/>
+          <a:lstStyle/>
+          <a:p>
+            <a:endParaRPr lang="en-GB"/>
+          </a:p>
+        </p:txBody>
+      </p:sp>
+      <p:sp>
+        <p:nvSpPr>
+          <p:cNvPr id="5" name="Notes Placeholder 4"/>
+          <p:cNvSpPr>
+            <a:spLocks noGrp="1"/>
+          </p:cNvSpPr>
+          <p:nvPr>
+            <p:ph type="body" sz="quarter" idx="3"/>
+          </p:nvPr>
+        </p:nvSpPr>
+        <p:spPr>
+          <a:xfrm>
+            <a:off x="685800" y="4400550"/>
+            <a:ext cx="5486400" cy="3600450"/>
+          </a:xfrm>
+          <a:prstGeom prst="rect">
+            <a:avLst/>
+          </a:prstGeom>
+        </p:spPr>
+        <p:txBody>
+          <a:bodyPr vert="horz" lIns="91440" tIns="45720" rIns="91440" bIns="45720" rtlCol="0"/>
+          <a:lstStyle/>
+          <a:p>
+            <a:pPr lvl="0"/>
+            <a:r>
+              <a:rPr lang="en-US"/>
+              <a:t>Click to edit Master text styles</a:t>
+            </a:r>
+          </a:p>
+          <a:p>
+            <a:pPr lvl="1"/>
+            <a:r>
+              <a:rPr lang="en-US"/>
+              <a:t>Second level</a:t>
+            </a:r>
+          </a:p>
+          <a:p>
+            <a:pPr lvl="2"/>
+            <a:r>
+              <a:rPr lang="en-US"/>
+              <a:t>Third level</a:t>
+            </a:r>
+          </a:p>
+          <a:p>
+            <a:pPr lvl="3"/>
+            <a:r>
+              <a:rPr lang="en-US"/>
+              <a:t>Fourth level</a:t>
+            </a:r>
+          </a:p>
+          <a:p>
+            <a:pPr lvl="4"/>
+            <a:r>
+              <a:rPr lang="en-US"/>
+              <a:t>Fifth level</a:t>
+            </a:r>
+            <a:endParaRPr lang="en-GB"/>
+          </a:p>
+        </p:txBody>
+      </p:sp>
+      <p:sp>
+        <p:nvSpPr>
+          <p:cNvPr id="6" name="Footer Placeholder 5"/>
+          <p:cNvSpPr>
+            <a:spLocks noGrp="1"/>
+          </p:cNvSpPr>
+          <p:nvPr>
+            <p:ph type="ftr" sz="quarter" idx="4"/>
+          </p:nvPr>
+        </p:nvSpPr>
+        <p:spPr>
+          <a:xfrm>
+            <a:off x="0" y="8685213"/>
+            <a:ext cx="2971800" cy="458787"/>
+          </a:xfrm>
+          <a:prstGeom prst="rect">
+            <a:avLst/>
+          </a:prstGeom>
+        </p:spPr>
+        <p:txBody>
+          <a:bodyPr vert="horz" lIns="91440" tIns="45720" rIns="91440" bIns="45720" rtlCol="0" anchor="b"/>
+          <a:lstStyle>
+            <a:lvl1pPr algn="l">
+              <a:defRPr sz="1200"/>
+            </a:lvl1pPr>
+          </a:lstStyle>
+          <a:p>
+            <a:endParaRPr lang="en-GB"/>
+          </a:p>
+        </p:txBody>
+      </p:sp>
+      <p:sp>
+        <p:nvSpPr>
+          <p:cNvPr id="7" name="Slide Number Placeholder 6"/>
+          <p:cNvSpPr>
+            <a:spLocks noGrp="1"/>
+          </p:cNvSpPr>
+          <p:nvPr>
+            <p:ph type="sldNum" sz="quarter" idx="5"/>
+          </p:nvPr>
+        </p:nvSpPr>
+        <p:spPr>
+          <a:xfrm>
+            <a:off x="3884613" y="8685213"/>
+            <a:ext cx="2971800" cy="458787"/>
+          </a:xfrm>
+          <a:prstGeom prst="rect">
+            <a:avLst/>
+          </a:prstGeom>
+        </p:spPr>
+        <p:txBody>
+          <a:bodyPr vert="horz" lIns="91440" tIns="45720" rIns="91440" bIns="45720" rtlCol="0" anchor="b"/>
+          <a:lstStyle>
+            <a:lvl1pPr algn="r">
+              <a:defRPr sz="1200"/>
+            </a:lvl1pPr>
+          </a:lstStyle>
+          <a:p>
+            <a:fld id="{92C3C395-9697-4A37-A383-5D0F75ECE813}" type="slidenum">
+              <a:rPr lang="en-GB" smtClean="0"/>
+              <a:t>‹#›</a:t>
+            </a:fld>
+            <a:endParaRPr lang="en-GB"/>
+          </a:p>
+        </p:txBody>
+      </p:sp>
+    </p:spTree>
+    <p:extLst>
+      <p:ext uri="{BB962C8B-B14F-4D97-AF65-F5344CB8AC3E}">
+        <p14:creationId xmlns:p14="http://schemas.microsoft.com/office/powerpoint/2010/main" val="1515966508"/>
+      </p:ext>
+    </p:extLst>
+  </p:cSld>
+  <p:clrMap bg1="lt1" tx1="dk1" bg2="lt2" tx2="dk2" accent1="accent1" accent2="accent2" accent3="accent3" accent4="accent4" accent5="accent5" accent6="accent6" hlink="hlink" folHlink="folHlink"/>
+  <p:notesStyle>
+    <a:lvl1pPr marL="0" algn="l" defTabSz="914400" rtl="0" eaLnBrk="1" latinLnBrk="0" hangingPunct="1">
+      <a:defRPr sz="1200" kern="1200">
+        <a:solidFill>
+          <a:schemeClr val="tx1"/>
+        </a:solidFill>
+        <a:latin typeface="+mn-lt"/>
+        <a:ea typeface="+mn-ea"/>
+        <a:cs typeface="+mn-cs"/>
+      </a:defRPr>
+    </a:lvl1pPr>
+    <a:lvl2pPr marL="457200" algn="l" defTabSz="914400" rtl="0" eaLnBrk="1" latinLnBrk="0" hangingPunct="1">
+      <a:defRPr sz="1200" kern="1200">
+        <a:solidFill>
+          <a:schemeClr val="tx1"/>
+        </a:solidFill>
+        <a:latin typeface="+mn-lt"/>
+        <a:ea typeface="+mn-ea"/>
+        <a:cs typeface="+mn-cs"/>
+      </a:defRPr>
+    </a:lvl2pPr>
+    <a:lvl3pPr marL="914400" algn="l" defTabSz="914400" rtl="0" eaLnBrk="1" latinLnBrk="0" hangingPunct="1">
+      <a:defRPr sz="1200" kern="1200">
+        <a:solidFill>
+          <a:schemeClr val="tx1"/>
+        </a:solidFill>
+        <a:latin typeface="+mn-lt"/>
+        <a:ea typeface="+mn-ea"/>
+        <a:cs typeface="+mn-cs"/>
+      </a:defRPr>
+    </a:lvl3pPr>
+    <a:lvl4pPr marL="1371600" algn="l" defTabSz="914400" rtl="0" eaLnBrk="1" latinLnBrk="0" hangingPunct="1">
+      <a:defRPr sz="1200" kern="1200">
+        <a:solidFill>
+          <a:schemeClr val="tx1"/>
+        </a:solidFill>
+        <a:latin typeface="+mn-lt"/>
+        <a:ea typeface="+mn-ea"/>
+        <a:cs typeface="+mn-cs"/>
+      </a:defRPr>
+    </a:lvl4pPr>
+    <a:lvl5pPr marL="1828800" algn="l" defTabSz="914400" rtl="0" eaLnBrk="1" latinLnBrk="0" hangingPunct="1">
+      <a:defRPr sz="1200" kern="1200">
+        <a:solidFill>
+          <a:schemeClr val="tx1"/>
+        </a:solidFill>
+        <a:latin typeface="+mn-lt"/>
+        <a:ea typeface="+mn-ea"/>
+        <a:cs typeface="+mn-cs"/>
+      </a:defRPr>
+    </a:lvl5pPr>
+    <a:lvl6pPr marL="2286000" algn="l" defTabSz="914400" rtl="0" eaLnBrk="1" latinLnBrk="0" hangingPunct="1">
+      <a:defRPr sz="1200" kern="1200">
+        <a:solidFill>
+          <a:schemeClr val="tx1"/>
+        </a:solidFill>
+        <a:latin typeface="+mn-lt"/>
+        <a:ea typeface="+mn-ea"/>
+        <a:cs typeface="+mn-cs"/>
+      </a:defRPr>
+    </a:lvl6pPr>
+    <a:lvl7pPr marL="2743200" algn="l" defTabSz="914400" rtl="0" eaLnBrk="1" latinLnBrk="0" hangingPunct="1">
+      <a:defRPr sz="1200" kern="1200">
+        <a:solidFill>
+          <a:schemeClr val="tx1"/>
+        </a:solidFill>
+        <a:latin typeface="+mn-lt"/>
+        <a:ea typeface="+mn-ea"/>
+        <a:cs typeface="+mn-cs"/>
+      </a:defRPr>
+    </a:lvl7pPr>
+    <a:lvl8pPr marL="3200400" algn="l" defTabSz="914400" rtl="0" eaLnBrk="1" latinLnBrk="0" hangingPunct="1">
+      <a:defRPr sz="1200" kern="1200">
+        <a:solidFill>
+          <a:schemeClr val="tx1"/>
+        </a:solidFill>
+        <a:latin typeface="+mn-lt"/>
+        <a:ea typeface="+mn-ea"/>
+        <a:cs typeface="+mn-cs"/>
+      </a:defRPr>
+    </a:lvl8pPr>
+    <a:lvl9pPr marL="3657600" algn="l" defTabSz="914400" rtl="0" eaLnBrk="1" latinLnBrk="0" hangingPunct="1">
+      <a:defRPr sz="1200" kern="1200">
+        <a:solidFill>
+          <a:schemeClr val="tx1"/>
+        </a:solidFill>
+        <a:latin typeface="+mn-lt"/>
+        <a:ea typeface="+mn-ea"/>
+        <a:cs typeface="+mn-cs"/>
+      </a:defRPr>
+    </a:lvl9pPr>
+  </p:notesStyle>
+</p:notesMaster>
+</file>
+
+<file path=ppt/notesSlides/notesSlide1.xml><?xml version="1.0" encoding="utf-8"?>
+<p:notes xmlns:a="http://schemas.openxmlformats.org/drawingml/2006/main" xmlns:r="http://schemas.openxmlformats.org/officeDocument/2006/relationships" xmlns:p="http://schemas.openxmlformats.org/presentationml/2006/main">
+  <p:cSld>
+    <p:spTree>
+      <p:nvGrpSpPr>
+        <p:cNvPr id="1" name=""/>
+        <p:cNvGrpSpPr/>
+        <p:nvPr/>
+      </p:nvGrpSpPr>
+      <p:grpSpPr>
+        <a:xfrm>
+          <a:off x="0" y="0"/>
+          <a:ext cx="0" cy="0"/>
+          <a:chOff x="0" y="0"/>
+          <a:chExt cx="0" cy="0"/>
+        </a:xfrm>
+      </p:grpSpPr>
+      <p:sp>
+        <p:nvSpPr>
+          <p:cNvPr id="2" name="Slide Image Placeholder 1"/>
+          <p:cNvSpPr>
+            <a:spLocks noGrp="1" noRot="1" noChangeAspect="1"/>
+          </p:cNvSpPr>
+          <p:nvPr>
+            <p:ph type="sldImg"/>
+          </p:nvPr>
+        </p:nvSpPr>
+        <p:spPr/>
+      </p:sp>
+      <p:sp>
+        <p:nvSpPr>
+          <p:cNvPr id="3" name="Notes Placeholder 2"/>
+          <p:cNvSpPr>
+            <a:spLocks noGrp="1"/>
+          </p:cNvSpPr>
+          <p:nvPr>
+            <p:ph type="body" idx="1"/>
+          </p:nvPr>
+        </p:nvSpPr>
+        <p:spPr/>
+        <p:txBody>
+          <a:bodyPr/>
+          <a:lstStyle/>
+          <a:p>
+            <a:endParaRPr lang="en-GB" dirty="0"/>
+          </a:p>
+        </p:txBody>
+      </p:sp>
+      <p:sp>
+        <p:nvSpPr>
+          <p:cNvPr id="4" name="Slide Number Placeholder 3"/>
+          <p:cNvSpPr>
+            <a:spLocks noGrp="1"/>
+          </p:cNvSpPr>
+          <p:nvPr>
+            <p:ph type="sldNum" sz="quarter" idx="5"/>
+          </p:nvPr>
+        </p:nvSpPr>
+        <p:spPr/>
+        <p:txBody>
+          <a:bodyPr/>
+          <a:lstStyle/>
+          <a:p>
+            <a:fld id="{92C3C395-9697-4A37-A383-5D0F75ECE813}" type="slidenum">
+              <a:rPr lang="en-GB" smtClean="0"/>
+              <a:t>1</a:t>
+            </a:fld>
+            <a:endParaRPr lang="en-GB"/>
+          </a:p>
+        </p:txBody>
+      </p:sp>
+    </p:spTree>
+    <p:extLst>
+      <p:ext uri="{BB962C8B-B14F-4D97-AF65-F5344CB8AC3E}">
+        <p14:creationId xmlns:p14="http://schemas.microsoft.com/office/powerpoint/2010/main" val="384694851"/>
+      </p:ext>
+    </p:extLst>
+  </p:cSld>
+  <p:clrMapOvr>
+    <a:masterClrMapping/>
+  </p:clrMapOvr>
+</p:notes>
+</file>
+
 <file path=ppt/slideLayouts/slideLayout1.xml><?xml version="1.0" encoding="utf-8"?>
 <p:sldLayout xmlns:a="http://schemas.openxmlformats.org/drawingml/2006/main" xmlns:r="http://schemas.openxmlformats.org/officeDocument/2006/relationships" xmlns:p="http://schemas.openxmlformats.org/presentationml/2006/main" type="title" preserve="1">
   <p:cSld name="Title Slide">
@@ -243,7 +680,7 @@
           <a:p>
             <a:fld id="{3CCEE766-1CE9-478B-AA8F-EC269CC66F2A}" type="datetimeFigureOut">
               <a:rPr lang="en-GB" smtClean="0"/>
-              <a:t>30/10/2025</a:t>
+              <a:t>07/11/2025</a:t>
             </a:fld>
             <a:endParaRPr lang="en-GB"/>
           </a:p>
@@ -413,7 +850,7 @@
           <a:p>
             <a:fld id="{3CCEE766-1CE9-478B-AA8F-EC269CC66F2A}" type="datetimeFigureOut">
               <a:rPr lang="en-GB" smtClean="0"/>
-              <a:t>30/10/2025</a:t>
+              <a:t>07/11/2025</a:t>
             </a:fld>
             <a:endParaRPr lang="en-GB"/>
           </a:p>
@@ -593,7 +1030,7 @@
           <a:p>
             <a:fld id="{3CCEE766-1CE9-478B-AA8F-EC269CC66F2A}" type="datetimeFigureOut">
               <a:rPr lang="en-GB" smtClean="0"/>
-              <a:t>30/10/2025</a:t>
+              <a:t>07/11/2025</a:t>
             </a:fld>
             <a:endParaRPr lang="en-GB"/>
           </a:p>
@@ -763,7 +1200,7 @@
           <a:p>
             <a:fld id="{3CCEE766-1CE9-478B-AA8F-EC269CC66F2A}" type="datetimeFigureOut">
               <a:rPr lang="en-GB" smtClean="0"/>
-              <a:t>30/10/2025</a:t>
+              <a:t>07/11/2025</a:t>
             </a:fld>
             <a:endParaRPr lang="en-GB"/>
           </a:p>
@@ -1009,7 +1446,7 @@
           <a:p>
             <a:fld id="{3CCEE766-1CE9-478B-AA8F-EC269CC66F2A}" type="datetimeFigureOut">
               <a:rPr lang="en-GB" smtClean="0"/>
-              <a:t>30/10/2025</a:t>
+              <a:t>07/11/2025</a:t>
             </a:fld>
             <a:endParaRPr lang="en-GB"/>
           </a:p>
@@ -1241,7 +1678,7 @@
           <a:p>
             <a:fld id="{3CCEE766-1CE9-478B-AA8F-EC269CC66F2A}" type="datetimeFigureOut">
               <a:rPr lang="en-GB" smtClean="0"/>
-              <a:t>30/10/2025</a:t>
+              <a:t>07/11/2025</a:t>
             </a:fld>
             <a:endParaRPr lang="en-GB"/>
           </a:p>
@@ -1608,7 +2045,7 @@
           <a:p>
             <a:fld id="{3CCEE766-1CE9-478B-AA8F-EC269CC66F2A}" type="datetimeFigureOut">
               <a:rPr lang="en-GB" smtClean="0"/>
-              <a:t>30/10/2025</a:t>
+              <a:t>07/11/2025</a:t>
             </a:fld>
             <a:endParaRPr lang="en-GB"/>
           </a:p>
@@ -1726,7 +2163,7 @@
           <a:p>
             <a:fld id="{3CCEE766-1CE9-478B-AA8F-EC269CC66F2A}" type="datetimeFigureOut">
               <a:rPr lang="en-GB" smtClean="0"/>
-              <a:t>30/10/2025</a:t>
+              <a:t>07/11/2025</a:t>
             </a:fld>
             <a:endParaRPr lang="en-GB"/>
           </a:p>
@@ -1821,7 +2258,7 @@
           <a:p>
             <a:fld id="{3CCEE766-1CE9-478B-AA8F-EC269CC66F2A}" type="datetimeFigureOut">
               <a:rPr lang="en-GB" smtClean="0"/>
-              <a:t>30/10/2025</a:t>
+              <a:t>07/11/2025</a:t>
             </a:fld>
             <a:endParaRPr lang="en-GB"/>
           </a:p>
@@ -2098,7 +2535,7 @@
           <a:p>
             <a:fld id="{3CCEE766-1CE9-478B-AA8F-EC269CC66F2A}" type="datetimeFigureOut">
               <a:rPr lang="en-GB" smtClean="0"/>
-              <a:t>30/10/2025</a:t>
+              <a:t>07/11/2025</a:t>
             </a:fld>
             <a:endParaRPr lang="en-GB"/>
           </a:p>
@@ -2355,7 +2792,7 @@
           <a:p>
             <a:fld id="{3CCEE766-1CE9-478B-AA8F-EC269CC66F2A}" type="datetimeFigureOut">
               <a:rPr lang="en-GB" smtClean="0"/>
-              <a:t>30/10/2025</a:t>
+              <a:t>07/11/2025</a:t>
             </a:fld>
             <a:endParaRPr lang="en-GB"/>
           </a:p>
@@ -2568,7 +3005,7 @@
           <a:p>
             <a:fld id="{3CCEE766-1CE9-478B-AA8F-EC269CC66F2A}" type="datetimeFigureOut">
               <a:rPr lang="en-GB" smtClean="0"/>
-              <a:t>30/10/2025</a:t>
+              <a:t>07/11/2025</a:t>
             </a:fld>
             <a:endParaRPr lang="en-GB"/>
           </a:p>
@@ -3205,10 +3642,10 @@
         </p:nvGrpSpPr>
         <p:grpSpPr>
           <a:xfrm>
-            <a:off x="357808" y="10114264"/>
-            <a:ext cx="14430245" cy="13679558"/>
-            <a:chOff x="357809" y="10933041"/>
-            <a:chExt cx="14430245" cy="13679558"/>
+            <a:off x="351810" y="10120575"/>
+            <a:ext cx="14430246" cy="13638720"/>
+            <a:chOff x="151161" y="11082117"/>
+            <a:chExt cx="14430246" cy="13638720"/>
           </a:xfrm>
         </p:grpSpPr>
         <p:grpSp>
@@ -3225,10 +3662,10 @@
           </p:nvGrpSpPr>
           <p:grpSpPr>
             <a:xfrm>
-              <a:off x="357809" y="10933041"/>
-              <a:ext cx="14430245" cy="13679558"/>
-              <a:chOff x="357809" y="10933042"/>
-              <a:chExt cx="16260417" cy="12620061"/>
+              <a:off x="151161" y="11082117"/>
+              <a:ext cx="14430246" cy="13638720"/>
+              <a:chOff x="124952" y="11070571"/>
+              <a:chExt cx="16260417" cy="12582385"/>
             </a:xfrm>
           </p:grpSpPr>
           <p:sp>
@@ -3245,8 +3682,8 @@
             </p:nvSpPr>
             <p:spPr>
               <a:xfrm>
-                <a:off x="357809" y="10933042"/>
-                <a:ext cx="16260417" cy="1266899"/>
+                <a:off x="124952" y="11070571"/>
+                <a:ext cx="16260417" cy="897489"/>
               </a:xfrm>
               <a:prstGeom prst="round2SameRect">
                 <a:avLst/>
@@ -3305,8 +3742,8 @@
             </p:nvSpPr>
             <p:spPr>
               <a:xfrm flipV="1">
-                <a:off x="357809" y="12199941"/>
-                <a:ext cx="16260417" cy="11353162"/>
+                <a:off x="124952" y="11991555"/>
+                <a:ext cx="16260417" cy="11661401"/>
               </a:xfrm>
               <a:prstGeom prst="round2SameRect">
                 <a:avLst>
@@ -3365,8 +3802,8 @@
           </p:nvSpPr>
           <p:spPr>
             <a:xfrm>
-              <a:off x="600638" y="20557271"/>
-              <a:ext cx="13944585" cy="3785652"/>
+              <a:off x="357808" y="20890949"/>
+              <a:ext cx="14187415" cy="3785652"/>
             </a:xfrm>
             <a:prstGeom prst="rect">
               <a:avLst/>
@@ -3409,7 +3846,7 @@
             <p:nvPr/>
           </p:nvPicPr>
           <p:blipFill>
-            <a:blip r:embed="rId2">
+            <a:blip r:embed="rId3">
               <a:extLst>
                 <a:ext uri="{28A0092B-C50C-407E-A947-70E740481C1C}">
                   <a14:useLocalDpi xmlns:a14="http://schemas.microsoft.com/office/drawing/2010/main" val="0"/>
@@ -3423,8 +3860,8 @@
           </p:blipFill>
           <p:spPr bwMode="auto">
             <a:xfrm>
-              <a:off x="600638" y="12611100"/>
-              <a:ext cx="10121462" cy="7742566"/>
+              <a:off x="230395" y="12099846"/>
+              <a:ext cx="14314824" cy="7152304"/>
             </a:xfrm>
             <a:prstGeom prst="rect">
               <a:avLst/>
@@ -3455,8 +3892,8 @@
           </p:nvSpPr>
           <p:spPr>
             <a:xfrm>
-              <a:off x="10825074" y="13050378"/>
-              <a:ext cx="3860006" cy="4031873"/>
+              <a:off x="479222" y="19231067"/>
+              <a:ext cx="14087399" cy="1569660"/>
             </a:xfrm>
             <a:prstGeom prst="rect">
               <a:avLst/>
@@ -3482,8 +3919,6 @@
                 </a:rPr>
                 <a:t> Diffusion of oxygen and carbon dioxide across the alveolar-capillary membrane. </a:t>
               </a:r>
-            </a:p>
-            <a:p>
               <a:endParaRPr lang="en-GB" sz="3200" i="1" dirty="0">
                 <a:latin typeface="Calibri" panose="020F0502020204030204" pitchFamily="34" charset="0"/>
                 <a:cs typeface="Calibri" panose="020F0502020204030204" pitchFamily="34" charset="0"/>
@@ -3519,10 +3954,10 @@
         </p:nvGrpSpPr>
         <p:grpSpPr>
           <a:xfrm>
-            <a:off x="15030883" y="10114264"/>
-            <a:ext cx="14786510" cy="14746359"/>
-            <a:chOff x="357809" y="10933041"/>
-            <a:chExt cx="14430245" cy="14746359"/>
+            <a:off x="15030883" y="10113348"/>
+            <a:ext cx="14786510" cy="14747275"/>
+            <a:chOff x="357809" y="10932125"/>
+            <a:chExt cx="14430245" cy="14747275"/>
           </a:xfrm>
         </p:grpSpPr>
         <p:grpSp>
@@ -3539,10 +3974,10 @@
           </p:nvGrpSpPr>
           <p:grpSpPr>
             <a:xfrm>
-              <a:off x="357809" y="10933041"/>
-              <a:ext cx="14430245" cy="14746359"/>
-              <a:chOff x="357809" y="10933042"/>
-              <a:chExt cx="16260417" cy="13604237"/>
+              <a:off x="357809" y="10932125"/>
+              <a:ext cx="14430245" cy="14747274"/>
+              <a:chOff x="357809" y="10932197"/>
+              <a:chExt cx="16260417" cy="13605081"/>
             </a:xfrm>
           </p:grpSpPr>
           <p:sp>
@@ -3559,8 +3994,8 @@
             </p:nvSpPr>
             <p:spPr>
               <a:xfrm>
-                <a:off x="357809" y="10933042"/>
-                <a:ext cx="16260417" cy="1266899"/>
+                <a:off x="357809" y="10932197"/>
+                <a:ext cx="16260417" cy="1031746"/>
               </a:xfrm>
               <a:prstGeom prst="round2SameRect">
                 <a:avLst/>
@@ -3615,8 +4050,8 @@
             </p:nvSpPr>
             <p:spPr>
               <a:xfrm flipV="1">
-                <a:off x="357809" y="12199940"/>
-                <a:ext cx="16260417" cy="12337339"/>
+                <a:off x="357809" y="11972831"/>
+                <a:ext cx="16260417" cy="12564447"/>
               </a:xfrm>
               <a:prstGeom prst="round2SameRect">
                 <a:avLst>
@@ -3675,7 +4110,7 @@
           </p:nvSpPr>
           <p:spPr>
             <a:xfrm>
-              <a:off x="600638" y="21097744"/>
+              <a:off x="600637" y="21278195"/>
               <a:ext cx="13944585" cy="4401205"/>
             </a:xfrm>
             <a:prstGeom prst="rect">
@@ -3718,8 +4153,8 @@
           </p:nvSpPr>
           <p:spPr>
             <a:xfrm>
-              <a:off x="12353293" y="12457806"/>
-              <a:ext cx="2434760" cy="6494085"/>
+              <a:off x="461961" y="20114138"/>
+              <a:ext cx="13826095" cy="1077218"/>
             </a:xfrm>
             <a:prstGeom prst="rect">
               <a:avLst/>
@@ -3745,16 +4180,6 @@
                 </a:rPr>
                 <a:t> Osmosis in animal and plant cells under different solute conditions.</a:t>
               </a:r>
-              <a:br>
-                <a:rPr lang="en-US" sz="3200" dirty="0">
-                  <a:latin typeface="Calibri" panose="020F0502020204030204" pitchFamily="34" charset="0"/>
-                  <a:cs typeface="Calibri" panose="020F0502020204030204" pitchFamily="34" charset="0"/>
-                </a:rPr>
-              </a:br>
-              <a:endParaRPr lang="en-US" sz="3200" dirty="0">
-                <a:latin typeface="Calibri" panose="020F0502020204030204" pitchFamily="34" charset="0"/>
-                <a:cs typeface="Calibri" panose="020F0502020204030204" pitchFamily="34" charset="0"/>
-              </a:endParaRPr>
             </a:p>
             <a:p>
               <a:r>
@@ -3786,23 +4211,23 @@
           </p:cNvPicPr>
           <p:nvPr/>
         </p:nvPicPr>
-        <p:blipFill>
-          <a:blip r:embed="rId3">
+        <p:blipFill rotWithShape="1">
+          <a:blip r:embed="rId4">
             <a:extLst>
               <a:ext uri="{28A0092B-C50C-407E-A947-70E740481C1C}">
                 <a14:useLocalDpi xmlns:a14="http://schemas.microsoft.com/office/drawing/2010/main" val="0"/>
               </a:ext>
             </a:extLst>
           </a:blip>
-          <a:srcRect/>
+          <a:srcRect t="1590" b="5617"/>
           <a:stretch>
             <a:fillRect/>
           </a:stretch>
         </p:blipFill>
         <p:spPr bwMode="auto">
           <a:xfrm>
-            <a:off x="15279706" y="11719942"/>
-            <a:ext cx="11892511" cy="8696399"/>
+            <a:off x="15060918" y="11216052"/>
+            <a:ext cx="14605020" cy="8069675"/>
           </a:xfrm>
           <a:prstGeom prst="rect">
             <a:avLst/>
@@ -3874,7 +4299,7 @@
             <p:spPr>
               <a:xfrm>
                 <a:off x="357809" y="10933042"/>
-                <a:ext cx="16260417" cy="1266899"/>
+                <a:ext cx="16260417" cy="863184"/>
               </a:xfrm>
               <a:prstGeom prst="round2SameRect">
                 <a:avLst/>
@@ -3929,8 +4354,8 @@
             </p:nvSpPr>
             <p:spPr>
               <a:xfrm flipV="1">
-                <a:off x="357809" y="12199940"/>
-                <a:ext cx="16260417" cy="11482758"/>
+                <a:off x="357809" y="11821334"/>
+                <a:ext cx="16260417" cy="11861364"/>
               </a:xfrm>
               <a:prstGeom prst="round2SameRect">
                 <a:avLst>
@@ -3989,7 +4414,7 @@
           </p:nvSpPr>
           <p:spPr>
             <a:xfrm>
-              <a:off x="515468" y="19729288"/>
+              <a:off x="515468" y="19905921"/>
               <a:ext cx="13944585" cy="4760072"/>
             </a:xfrm>
             <a:prstGeom prst="rect">
@@ -4042,8 +4467,8 @@
           </p:nvSpPr>
           <p:spPr>
             <a:xfrm>
-              <a:off x="12362876" y="12614720"/>
-              <a:ext cx="2425178" cy="5298621"/>
+              <a:off x="582593" y="18991128"/>
+              <a:ext cx="13362008" cy="1036043"/>
             </a:xfrm>
             <a:prstGeom prst="rect">
               <a:avLst/>
@@ -4056,11 +4481,17 @@
             <a:lstStyle/>
             <a:p>
               <a:r>
-                <a:rPr lang="en-US" sz="3200" b="1" dirty="0"/>
+                <a:rPr lang="en-US" sz="3200" b="1" dirty="0">
+                  <a:latin typeface="Calibri" panose="020F0502020204030204" pitchFamily="34" charset="0"/>
+                  <a:cs typeface="Calibri" panose="020F0502020204030204" pitchFamily="34" charset="0"/>
+                </a:rPr>
                 <a:t>Figure 3.</a:t>
               </a:r>
               <a:r>
-                <a:rPr lang="en-US" sz="3200" dirty="0"/>
+                <a:rPr lang="en-US" sz="3200" dirty="0">
+                  <a:latin typeface="Calibri" panose="020F0502020204030204" pitchFamily="34" charset="0"/>
+                  <a:cs typeface="Calibri" panose="020F0502020204030204" pitchFamily="34" charset="0"/>
+                </a:rPr>
                 <a:t> ATP-driven active transport across a biological membrane.</a:t>
               </a:r>
               <a:endParaRPr lang="en-GB" sz="3200" i="1" dirty="0">
@@ -4099,7 +4530,7 @@
           <p:nvPr/>
         </p:nvPicPr>
         <p:blipFill>
-          <a:blip r:embed="rId4">
+          <a:blip r:embed="rId5">
             <a:extLst>
               <a:ext uri="{28A0092B-C50C-407E-A947-70E740481C1C}">
                 <a14:useLocalDpi xmlns:a14="http://schemas.microsoft.com/office/drawing/2010/main" val="0"/>
@@ -4113,8 +4544,8 @@
         </p:blipFill>
         <p:spPr bwMode="auto">
           <a:xfrm>
-            <a:off x="515467" y="25629863"/>
-            <a:ext cx="11847407" cy="7308793"/>
+            <a:off x="384700" y="25043453"/>
+            <a:ext cx="14397356" cy="7241766"/>
           </a:xfrm>
           <a:prstGeom prst="rect">
             <a:avLst/>
@@ -4145,10 +4576,10 @@
         </p:nvGrpSpPr>
         <p:grpSpPr>
           <a:xfrm>
-            <a:off x="357807" y="38732648"/>
-            <a:ext cx="29210759" cy="3848002"/>
-            <a:chOff x="357809" y="10933042"/>
-            <a:chExt cx="16260417" cy="12620059"/>
+            <a:off x="15001505" y="30554289"/>
+            <a:ext cx="14915900" cy="5797377"/>
+            <a:chOff x="357809" y="10933044"/>
+            <a:chExt cx="16260417" cy="12620057"/>
           </a:xfrm>
         </p:grpSpPr>
         <p:sp>
@@ -4165,8 +4596,8 @@
           </p:nvSpPr>
           <p:spPr>
             <a:xfrm>
-              <a:off x="357809" y="10933042"/>
-              <a:ext cx="16260417" cy="2705969"/>
+              <a:off x="357809" y="10933044"/>
+              <a:ext cx="16260417" cy="1504547"/>
             </a:xfrm>
             <a:prstGeom prst="round2SameRect">
               <a:avLst/>
@@ -4225,8 +4656,8 @@
           </p:nvSpPr>
           <p:spPr>
             <a:xfrm flipV="1">
-              <a:off x="357809" y="13639009"/>
-              <a:ext cx="16260417" cy="9914092"/>
+              <a:off x="357809" y="12437589"/>
+              <a:ext cx="16260417" cy="11115512"/>
             </a:xfrm>
             <a:prstGeom prst="round2SameRect">
               <a:avLst>
@@ -4285,8 +4716,8 @@
         </p:nvSpPr>
         <p:spPr>
           <a:xfrm>
-            <a:off x="479221" y="39791035"/>
-            <a:ext cx="28967929" cy="2554545"/>
+            <a:off x="15087601" y="31255317"/>
+            <a:ext cx="14666146" cy="5016758"/>
           </a:xfrm>
           <a:prstGeom prst="rect">
             <a:avLst/>
@@ -4325,14 +4756,14 @@
           <p:nvPr>
             <p:extLst>
               <p:ext uri="{D42A27DB-BD31-4B8C-83A1-F6EECF244321}">
-                <p14:modId xmlns:p14="http://schemas.microsoft.com/office/powerpoint/2010/main" val="1547960356"/>
+                <p14:modId xmlns:p14="http://schemas.microsoft.com/office/powerpoint/2010/main" val="1555597508"/>
               </p:ext>
             </p:extLst>
           </p:nvPr>
         </p:nvGraphicFramePr>
         <p:xfrm>
-          <a:off x="15279706" y="25231018"/>
-          <a:ext cx="14480040" cy="5362516"/>
+          <a:off x="15030883" y="25108458"/>
+          <a:ext cx="14886524" cy="5362516"/>
         </p:xfrm>
         <a:graphic>
           <a:graphicData uri="http://schemas.openxmlformats.org/drawingml/2006/table">
@@ -4341,28 +4772,28 @@
                 <a:tableStyleId>{D113A9D2-9D6B-4929-AA2D-F23B5EE8CBE7}</a:tableStyleId>
               </a:tblPr>
               <a:tblGrid>
-                <a:gridCol w="3620010">
+                <a:gridCol w="3721631">
                   <a:extLst>
                     <a:ext uri="{9D8B030D-6E8A-4147-A177-3AD203B41FA5}">
                       <a16:colId xmlns:a16="http://schemas.microsoft.com/office/drawing/2014/main" val="2817498019"/>
                     </a:ext>
                   </a:extLst>
                 </a:gridCol>
-                <a:gridCol w="3620010">
+                <a:gridCol w="3721631">
                   <a:extLst>
                     <a:ext uri="{9D8B030D-6E8A-4147-A177-3AD203B41FA5}">
                       <a16:colId xmlns:a16="http://schemas.microsoft.com/office/drawing/2014/main" val="2391374885"/>
                     </a:ext>
                   </a:extLst>
                 </a:gridCol>
-                <a:gridCol w="3620010">
+                <a:gridCol w="3721631">
                   <a:extLst>
                     <a:ext uri="{9D8B030D-6E8A-4147-A177-3AD203B41FA5}">
                       <a16:colId xmlns:a16="http://schemas.microsoft.com/office/drawing/2014/main" val="2622615970"/>
                     </a:ext>
                   </a:extLst>
                 </a:gridCol>
-                <a:gridCol w="3620010">
+                <a:gridCol w="3721631">
                   <a:extLst>
                     <a:ext uri="{9D8B030D-6E8A-4147-A177-3AD203B41FA5}">
                       <a16:colId xmlns:a16="http://schemas.microsoft.com/office/drawing/2014/main" val="712766"/>
@@ -5544,8 +5975,8 @@
         </p:nvGrpSpPr>
         <p:grpSpPr>
           <a:xfrm>
-            <a:off x="15137606" y="30826840"/>
-            <a:ext cx="14679786" cy="7341168"/>
+            <a:off x="351811" y="38457239"/>
+            <a:ext cx="14587412" cy="4236490"/>
             <a:chOff x="357809" y="10933042"/>
             <a:chExt cx="16260417" cy="13323650"/>
           </a:xfrm>
@@ -5565,7 +5996,7 @@
           <p:spPr>
             <a:xfrm>
               <a:off x="357809" y="10933042"/>
-              <a:ext cx="16260417" cy="1512389"/>
+              <a:ext cx="16260417" cy="1915362"/>
             </a:xfrm>
             <a:prstGeom prst="round2SameRect">
               <a:avLst/>
@@ -5624,8 +6055,148 @@
           </p:nvSpPr>
           <p:spPr>
             <a:xfrm flipV="1">
-              <a:off x="357809" y="12476182"/>
-              <a:ext cx="16260417" cy="11780510"/>
+              <a:off x="357809" y="12848404"/>
+              <a:ext cx="16260417" cy="11408288"/>
+            </a:xfrm>
+            <a:prstGeom prst="round2SameRect">
+              <a:avLst>
+                <a:gd name="adj1" fmla="val 5399"/>
+                <a:gd name="adj2" fmla="val 0"/>
+              </a:avLst>
+            </a:prstGeom>
+            <a:solidFill>
+              <a:schemeClr val="bg1"/>
+            </a:solidFill>
+            <a:ln>
+              <a:solidFill>
+                <a:schemeClr val="accent1">
+                  <a:lumMod val="75000"/>
+                </a:schemeClr>
+              </a:solidFill>
+            </a:ln>
+          </p:spPr>
+          <p:style>
+            <a:lnRef idx="2">
+              <a:schemeClr val="accent1">
+                <a:shade val="15000"/>
+              </a:schemeClr>
+            </a:lnRef>
+            <a:fillRef idx="1">
+              <a:schemeClr val="accent1"/>
+            </a:fillRef>
+            <a:effectRef idx="0">
+              <a:schemeClr val="accent1"/>
+            </a:effectRef>
+            <a:fontRef idx="minor">
+              <a:schemeClr val="lt1"/>
+            </a:fontRef>
+          </p:style>
+          <p:txBody>
+            <a:bodyPr rtlCol="0" anchor="ctr"/>
+            <a:lstStyle/>
+            <a:p>
+              <a:pPr algn="ctr"/>
+              <a:endParaRPr lang="en-GB" dirty="0"/>
+            </a:p>
+          </p:txBody>
+        </p:sp>
+      </p:grpSp>
+      <p:grpSp>
+        <p:nvGrpSpPr>
+          <p:cNvPr id="3" name="Group 2">
+            <a:extLst>
+              <a:ext uri="{FF2B5EF4-FFF2-40B4-BE49-F238E27FC236}">
+                <a16:creationId xmlns:a16="http://schemas.microsoft.com/office/drawing/2014/main" id="{2F53EAFC-7F1C-1962-CAB4-E647CC63B572}"/>
+              </a:ext>
+            </a:extLst>
+          </p:cNvPr>
+          <p:cNvGrpSpPr/>
+          <p:nvPr/>
+        </p:nvGrpSpPr>
+        <p:grpSpPr>
+          <a:xfrm>
+            <a:off x="14945711" y="36445927"/>
+            <a:ext cx="14971693" cy="6247801"/>
+            <a:chOff x="357809" y="10933042"/>
+            <a:chExt cx="16260417" cy="13323650"/>
+          </a:xfrm>
+        </p:grpSpPr>
+        <p:sp>
+          <p:nvSpPr>
+            <p:cNvPr id="4" name="Rectangle: Top Corners Rounded 3">
+              <a:extLst>
+                <a:ext uri="{FF2B5EF4-FFF2-40B4-BE49-F238E27FC236}">
+                  <a16:creationId xmlns:a16="http://schemas.microsoft.com/office/drawing/2014/main" id="{87961D57-8153-7BED-83F8-6E25BB09560E}"/>
+                </a:ext>
+              </a:extLst>
+            </p:cNvPr>
+            <p:cNvSpPr/>
+            <p:nvPr/>
+          </p:nvSpPr>
+          <p:spPr>
+            <a:xfrm>
+              <a:off x="357809" y="10933042"/>
+              <a:ext cx="16260417" cy="1915362"/>
+            </a:xfrm>
+            <a:prstGeom prst="round2SameRect">
+              <a:avLst/>
+            </a:prstGeom>
+            <a:solidFill>
+              <a:schemeClr val="accent1">
+                <a:lumMod val="75000"/>
+              </a:schemeClr>
+            </a:solidFill>
+          </p:spPr>
+          <p:style>
+            <a:lnRef idx="2">
+              <a:schemeClr val="accent1">
+                <a:shade val="15000"/>
+              </a:schemeClr>
+            </a:lnRef>
+            <a:fillRef idx="1">
+              <a:schemeClr val="accent1"/>
+            </a:fillRef>
+            <a:effectRef idx="0">
+              <a:schemeClr val="accent1"/>
+            </a:effectRef>
+            <a:fontRef idx="minor">
+              <a:schemeClr val="lt1"/>
+            </a:fontRef>
+          </p:style>
+          <p:txBody>
+            <a:bodyPr rtlCol="0" anchor="ctr"/>
+            <a:lstStyle/>
+            <a:p>
+              <a:r>
+                <a:rPr lang="en-US" sz="5400" b="1" dirty="0">
+                  <a:latin typeface="Calibri" panose="020F0502020204030204" pitchFamily="34" charset="0"/>
+                  <a:cs typeface="Calibri" panose="020F0502020204030204" pitchFamily="34" charset="0"/>
+                </a:rPr>
+                <a:t>References</a:t>
+              </a:r>
+              <a:endParaRPr lang="en-GB" sz="5400" b="1" dirty="0">
+                <a:latin typeface="Calibri" panose="020F0502020204030204" pitchFamily="34" charset="0"/>
+                <a:cs typeface="Calibri" panose="020F0502020204030204" pitchFamily="34" charset="0"/>
+              </a:endParaRPr>
+            </a:p>
+          </p:txBody>
+        </p:sp>
+        <p:sp>
+          <p:nvSpPr>
+            <p:cNvPr id="9" name="Rectangle: Top Corners Rounded 8">
+              <a:extLst>
+                <a:ext uri="{FF2B5EF4-FFF2-40B4-BE49-F238E27FC236}">
+                  <a16:creationId xmlns:a16="http://schemas.microsoft.com/office/drawing/2014/main" id="{2CC04000-354C-32D8-E35B-C4148F43A515}"/>
+                </a:ext>
+              </a:extLst>
+            </p:cNvPr>
+            <p:cNvSpPr/>
+            <p:nvPr/>
+          </p:nvSpPr>
+          <p:spPr>
+            <a:xfrm flipV="1">
+              <a:off x="357809" y="12848404"/>
+              <a:ext cx="16260417" cy="11408288"/>
             </a:xfrm>
             <a:prstGeom prst="round2SameRect">
               <a:avLst>
@@ -5672,7 +6243,330 @@
       </p:grpSp>
       <p:sp>
         <p:nvSpPr>
-          <p:cNvPr id="40" name="Rectangle 8">
+          <p:cNvPr id="33" name="TextBox 32">
+            <a:extLst>
+              <a:ext uri="{FF2B5EF4-FFF2-40B4-BE49-F238E27FC236}">
+                <a16:creationId xmlns:a16="http://schemas.microsoft.com/office/drawing/2014/main" id="{9809125B-682B-AE2C-DD6D-FB2C624E9FE6}"/>
+              </a:ext>
+            </a:extLst>
+          </p:cNvPr>
+          <p:cNvSpPr txBox="1"/>
+          <p:nvPr/>
+        </p:nvSpPr>
+        <p:spPr>
+          <a:xfrm>
+            <a:off x="448486" y="39148539"/>
+            <a:ext cx="14394062" cy="3970318"/>
+          </a:xfrm>
+          <a:prstGeom prst="rect">
+            <a:avLst/>
+          </a:prstGeom>
+          <a:noFill/>
+        </p:spPr>
+        <p:txBody>
+          <a:bodyPr wrap="square">
+            <a:spAutoFit/>
+          </a:bodyPr>
+          <a:lstStyle/>
+          <a:p>
+            <a:pPr marL="711200" marR="0" lvl="0" indent="-711200" algn="just" defTabSz="914400" rtl="0" eaLnBrk="0" fontAlgn="base" latinLnBrk="0" hangingPunct="0">
+              <a:lnSpc>
+                <a:spcPct val="100000"/>
+              </a:lnSpc>
+              <a:spcBef>
+                <a:spcPct val="0"/>
+              </a:spcBef>
+              <a:spcAft>
+                <a:spcPct val="0"/>
+              </a:spcAft>
+              <a:buClrTx/>
+              <a:buSzTx/>
+              <a:buFontTx/>
+              <a:buNone/>
+              <a:tabLst/>
+            </a:pPr>
+            <a:r>
+              <a:rPr kumimoji="0" lang="en-US" altLang="en-US" sz="3200" b="0" i="0" u="none" strike="noStrike" cap="none" normalizeH="0" baseline="0" dirty="0">
+                <a:ln>
+                  <a:noFill/>
+                </a:ln>
+                <a:solidFill>
+                  <a:schemeClr val="tx1"/>
+                </a:solidFill>
+                <a:effectLst/>
+                <a:latin typeface="Calibri" panose="020F0502020204030204" pitchFamily="34" charset="0"/>
+                <a:cs typeface="Calibri" panose="020F0502020204030204" pitchFamily="34" charset="0"/>
+              </a:rPr>
+              <a:t>Barnard, C. J., Gilbert, F. S., &amp; </a:t>
+            </a:r>
+            <a:r>
+              <a:rPr kumimoji="0" lang="en-US" altLang="en-US" sz="3200" b="0" i="0" u="none" strike="noStrike" cap="none" normalizeH="0" baseline="0" dirty="0" err="1">
+                <a:ln>
+                  <a:noFill/>
+                </a:ln>
+                <a:solidFill>
+                  <a:schemeClr val="tx1"/>
+                </a:solidFill>
+                <a:effectLst/>
+                <a:latin typeface="Calibri" panose="020F0502020204030204" pitchFamily="34" charset="0"/>
+                <a:cs typeface="Calibri" panose="020F0502020204030204" pitchFamily="34" charset="0"/>
+              </a:rPr>
+              <a:t>Mcgregor</a:t>
+            </a:r>
+            <a:r>
+              <a:rPr kumimoji="0" lang="en-US" altLang="en-US" sz="3200" b="0" i="0" u="none" strike="noStrike" cap="none" normalizeH="0" baseline="0" dirty="0">
+                <a:ln>
+                  <a:noFill/>
+                </a:ln>
+                <a:solidFill>
+                  <a:schemeClr val="tx1"/>
+                </a:solidFill>
+                <a:effectLst/>
+                <a:latin typeface="Calibri" panose="020F0502020204030204" pitchFamily="34" charset="0"/>
+                <a:cs typeface="Calibri" panose="020F0502020204030204" pitchFamily="34" charset="0"/>
+              </a:rPr>
+              <a:t>, P. K. (2007). </a:t>
+            </a:r>
+            <a:r>
+              <a:rPr kumimoji="0" lang="en-US" altLang="en-US" sz="3200" b="0" i="1" u="none" strike="noStrike" cap="none" normalizeH="0" baseline="0" dirty="0">
+                <a:ln>
+                  <a:noFill/>
+                </a:ln>
+                <a:solidFill>
+                  <a:schemeClr val="tx1"/>
+                </a:solidFill>
+                <a:effectLst/>
+                <a:latin typeface="Calibri" panose="020F0502020204030204" pitchFamily="34" charset="0"/>
+                <a:cs typeface="Calibri" panose="020F0502020204030204" pitchFamily="34" charset="0"/>
+              </a:rPr>
+              <a:t>Asking questions in biology : key skills for practical assessments and project work</a:t>
+            </a:r>
+            <a:r>
+              <a:rPr kumimoji="0" lang="en-US" altLang="en-US" sz="3200" b="0" i="0" u="none" strike="noStrike" cap="none" normalizeH="0" baseline="0" dirty="0">
+                <a:ln>
+                  <a:noFill/>
+                </a:ln>
+                <a:solidFill>
+                  <a:schemeClr val="tx1"/>
+                </a:solidFill>
+                <a:effectLst/>
+                <a:latin typeface="Calibri" panose="020F0502020204030204" pitchFamily="34" charset="0"/>
+                <a:cs typeface="Calibri" panose="020F0502020204030204" pitchFamily="34" charset="0"/>
+              </a:rPr>
+              <a:t>. Prentice Hall.</a:t>
+            </a:r>
+          </a:p>
+          <a:p>
+            <a:pPr marL="711200" marR="0" lvl="0" indent="-711200" algn="just" defTabSz="914400" rtl="0" eaLnBrk="0" fontAlgn="base" latinLnBrk="0" hangingPunct="0">
+              <a:lnSpc>
+                <a:spcPct val="100000"/>
+              </a:lnSpc>
+              <a:spcBef>
+                <a:spcPct val="0"/>
+              </a:spcBef>
+              <a:spcAft>
+                <a:spcPct val="0"/>
+              </a:spcAft>
+              <a:buClrTx/>
+              <a:buSzTx/>
+              <a:buFontTx/>
+              <a:buNone/>
+              <a:tabLst/>
+            </a:pPr>
+            <a:r>
+              <a:rPr kumimoji="0" lang="en-US" altLang="en-US" sz="3200" b="0" i="0" u="none" strike="noStrike" cap="none" normalizeH="0" baseline="0" dirty="0">
+                <a:ln>
+                  <a:noFill/>
+                </a:ln>
+                <a:solidFill>
+                  <a:schemeClr val="tx1"/>
+                </a:solidFill>
+                <a:effectLst/>
+                <a:latin typeface="Calibri" panose="020F0502020204030204" pitchFamily="34" charset="0"/>
+                <a:cs typeface="Calibri" panose="020F0502020204030204" pitchFamily="34" charset="0"/>
+              </a:rPr>
+              <a:t>Campbell, N. A., Urry, L. A., Cain, M. L., Wasserman, S. A., Minorsky, P. V., &amp; Orr, R. B. (2021). </a:t>
+            </a:r>
+            <a:r>
+              <a:rPr kumimoji="0" lang="en-US" altLang="en-US" sz="3200" b="0" i="1" u="none" strike="noStrike" cap="none" normalizeH="0" baseline="0" dirty="0">
+                <a:ln>
+                  <a:noFill/>
+                </a:ln>
+                <a:solidFill>
+                  <a:schemeClr val="tx1"/>
+                </a:solidFill>
+                <a:effectLst/>
+                <a:latin typeface="Calibri" panose="020F0502020204030204" pitchFamily="34" charset="0"/>
+                <a:cs typeface="Calibri" panose="020F0502020204030204" pitchFamily="34" charset="0"/>
+              </a:rPr>
+              <a:t>Biology: A Global Approach</a:t>
+            </a:r>
+            <a:r>
+              <a:rPr kumimoji="0" lang="en-US" altLang="en-US" sz="3200" b="0" i="0" u="none" strike="noStrike" cap="none" normalizeH="0" baseline="0" dirty="0">
+                <a:ln>
+                  <a:noFill/>
+                </a:ln>
+                <a:solidFill>
+                  <a:schemeClr val="tx1"/>
+                </a:solidFill>
+                <a:effectLst/>
+                <a:latin typeface="Calibri" panose="020F0502020204030204" pitchFamily="34" charset="0"/>
+                <a:cs typeface="Calibri" panose="020F0502020204030204" pitchFamily="34" charset="0"/>
+              </a:rPr>
+              <a:t> (12th ed.). Pearson Education Limited.</a:t>
+            </a:r>
+          </a:p>
+          <a:p>
+            <a:pPr marL="711200" marR="0" lvl="0" indent="-711200" algn="just" defTabSz="914400" rtl="0" eaLnBrk="0" fontAlgn="base" latinLnBrk="0" hangingPunct="0">
+              <a:lnSpc>
+                <a:spcPct val="100000"/>
+              </a:lnSpc>
+              <a:spcBef>
+                <a:spcPct val="0"/>
+              </a:spcBef>
+              <a:spcAft>
+                <a:spcPct val="0"/>
+              </a:spcAft>
+              <a:buClrTx/>
+              <a:buSzTx/>
+              <a:buFontTx/>
+              <a:buNone/>
+              <a:tabLst/>
+            </a:pPr>
+            <a:r>
+              <a:rPr kumimoji="0" lang="en-US" altLang="en-US" sz="3200" b="0" i="0" u="none" strike="noStrike" cap="none" normalizeH="0" baseline="0" dirty="0">
+                <a:ln>
+                  <a:noFill/>
+                </a:ln>
+                <a:solidFill>
+                  <a:schemeClr val="tx1"/>
+                </a:solidFill>
+                <a:effectLst/>
+                <a:latin typeface="Calibri" panose="020F0502020204030204" pitchFamily="34" charset="0"/>
+                <a:cs typeface="Calibri" panose="020F0502020204030204" pitchFamily="34" charset="0"/>
+              </a:rPr>
+              <a:t>Gillam, P. (2015, October 19). </a:t>
+            </a:r>
+            <a:r>
+              <a:rPr kumimoji="0" lang="en-US" altLang="en-US" sz="3200" b="0" i="1" u="none" strike="noStrike" cap="none" normalizeH="0" baseline="0" dirty="0">
+                <a:ln>
+                  <a:noFill/>
+                </a:ln>
+                <a:solidFill>
+                  <a:schemeClr val="tx1"/>
+                </a:solidFill>
+                <a:effectLst/>
+                <a:latin typeface="Calibri" panose="020F0502020204030204" pitchFamily="34" charset="0"/>
+                <a:cs typeface="Calibri" panose="020F0502020204030204" pitchFamily="34" charset="0"/>
+              </a:rPr>
+              <a:t>diffusion – PMG Biology</a:t>
+            </a:r>
+            <a:r>
+              <a:rPr kumimoji="0" lang="en-US" altLang="en-US" sz="3200" b="0" i="0" u="none" strike="noStrike" cap="none" normalizeH="0" baseline="0" dirty="0">
+                <a:ln>
+                  <a:noFill/>
+                </a:ln>
+                <a:solidFill>
+                  <a:schemeClr val="tx1"/>
+                </a:solidFill>
+                <a:effectLst/>
+                <a:latin typeface="Calibri" panose="020F0502020204030204" pitchFamily="34" charset="0"/>
+                <a:cs typeface="Calibri" panose="020F0502020204030204" pitchFamily="34" charset="0"/>
+              </a:rPr>
+              <a:t>. PMG Biology. </a:t>
+            </a:r>
+            <a:r>
+              <a:rPr kumimoji="0" lang="en-US" altLang="en-US" sz="3200" b="0" i="0" u="none" strike="noStrike" cap="none" normalizeH="0" baseline="0" dirty="0">
+                <a:ln>
+                  <a:noFill/>
+                </a:ln>
+                <a:solidFill>
+                  <a:schemeClr val="tx1"/>
+                </a:solidFill>
+                <a:effectLst/>
+                <a:latin typeface="Calibri" panose="020F0502020204030204" pitchFamily="34" charset="0"/>
+                <a:cs typeface="Calibri" panose="020F0502020204030204" pitchFamily="34" charset="0"/>
+                <a:hlinkClick r:id="rId6"/>
+              </a:rPr>
+              <a:t>https://pmgbiology.com/tag/diffusion/</a:t>
+            </a:r>
+            <a:endParaRPr kumimoji="0" lang="en-US" altLang="en-US" sz="3200" b="0" i="0" u="none" strike="noStrike" cap="none" normalizeH="0" baseline="0" dirty="0">
+              <a:ln>
+                <a:noFill/>
+              </a:ln>
+              <a:solidFill>
+                <a:schemeClr val="tx1"/>
+              </a:solidFill>
+              <a:effectLst/>
+              <a:latin typeface="Calibri" panose="020F0502020204030204" pitchFamily="34" charset="0"/>
+              <a:cs typeface="Calibri" panose="020F0502020204030204" pitchFamily="34" charset="0"/>
+            </a:endParaRPr>
+          </a:p>
+          <a:p>
+            <a:pPr marL="711200" indent="-711200" algn="just" defTabSz="914400" eaLnBrk="0" fontAlgn="base" hangingPunct="0">
+              <a:spcBef>
+                <a:spcPct val="0"/>
+              </a:spcBef>
+              <a:spcAft>
+                <a:spcPct val="0"/>
+              </a:spcAft>
+            </a:pPr>
+            <a:r>
+              <a:rPr lang="en-US" altLang="en-US" sz="3200" dirty="0">
+                <a:latin typeface="Calibri" panose="020F0502020204030204" pitchFamily="34" charset="0"/>
+                <a:cs typeface="Calibri" panose="020F0502020204030204" pitchFamily="34" charset="0"/>
+              </a:rPr>
+              <a:t>Kratz, R. F., &amp; Siegfried, D. R. (2010). </a:t>
+            </a:r>
+            <a:r>
+              <a:rPr lang="en-US" altLang="en-US" sz="3200" i="1" dirty="0">
+                <a:latin typeface="Calibri" panose="020F0502020204030204" pitchFamily="34" charset="0"/>
+                <a:cs typeface="Calibri" panose="020F0502020204030204" pitchFamily="34" charset="0"/>
+              </a:rPr>
+              <a:t>Biology For Dummies</a:t>
+            </a:r>
+            <a:r>
+              <a:rPr lang="en-US" altLang="en-US" sz="3200" dirty="0">
+                <a:latin typeface="Calibri" panose="020F0502020204030204" pitchFamily="34" charset="0"/>
+                <a:cs typeface="Calibri" panose="020F0502020204030204" pitchFamily="34" charset="0"/>
+              </a:rPr>
+              <a:t>. John Wiley &amp; Sons.</a:t>
+            </a:r>
+          </a:p>
+          <a:p>
+            <a:pPr marL="711200" marR="0" lvl="0" indent="-711200" algn="just" defTabSz="914400" rtl="0" eaLnBrk="0" fontAlgn="base" latinLnBrk="0" hangingPunct="0">
+              <a:lnSpc>
+                <a:spcPct val="100000"/>
+              </a:lnSpc>
+              <a:spcBef>
+                <a:spcPct val="0"/>
+              </a:spcBef>
+              <a:spcAft>
+                <a:spcPct val="0"/>
+              </a:spcAft>
+              <a:buClrTx/>
+              <a:buSzTx/>
+              <a:buFontTx/>
+              <a:buNone/>
+              <a:tabLst/>
+            </a:pPr>
+            <a:endParaRPr kumimoji="0" lang="en-US" altLang="en-US" sz="2800" b="0" i="0" u="none" strike="noStrike" cap="none" normalizeH="0" baseline="0" dirty="0">
+              <a:ln>
+                <a:noFill/>
+              </a:ln>
+              <a:solidFill>
+                <a:schemeClr val="tx1"/>
+              </a:solidFill>
+              <a:effectLst/>
+              <a:latin typeface="Calibri" panose="020F0502020204030204" pitchFamily="34" charset="0"/>
+              <a:cs typeface="Calibri" panose="020F0502020204030204" pitchFamily="34" charset="0"/>
+            </a:endParaRPr>
+          </a:p>
+        </p:txBody>
+      </p:sp>
+      <p:sp>
+        <p:nvSpPr>
+          <p:cNvPr id="39" name="Rectangle 8">
             <a:extLst>
               <a:ext uri="{FF2B5EF4-FFF2-40B4-BE49-F238E27FC236}">
                 <a16:creationId xmlns:a16="http://schemas.microsoft.com/office/drawing/2014/main" id="{BD41A1C6-8BE5-A867-80D5-636A2EAF32DE}"/>
@@ -5686,8 +6580,8 @@
         </p:nvSpPr>
         <p:spPr bwMode="auto">
           <a:xfrm>
-            <a:off x="15155652" y="31832026"/>
-            <a:ext cx="14536969" cy="6155531"/>
+            <a:off x="15180654" y="37353724"/>
+            <a:ext cx="14480039" cy="5170646"/>
           </a:xfrm>
           <a:prstGeom prst="rect">
             <a:avLst/>
@@ -5862,6 +6756,48 @@
             </a:lvl9pPr>
           </a:lstStyle>
           <a:p>
+            <a:pPr marL="711200" indent="-711200" algn="just" defTabSz="914400"/>
+            <a:r>
+              <a:rPr lang="en-US" altLang="en-US" sz="2800" dirty="0" err="1">
+                <a:latin typeface="Calibri" panose="020F0502020204030204" pitchFamily="34" charset="0"/>
+                <a:cs typeface="Calibri" panose="020F0502020204030204" pitchFamily="34" charset="0"/>
+              </a:rPr>
+              <a:t>Lodish</a:t>
+            </a:r>
+            <a:r>
+              <a:rPr lang="en-US" altLang="en-US" sz="2800" dirty="0">
+                <a:latin typeface="Calibri" panose="020F0502020204030204" pitchFamily="34" charset="0"/>
+                <a:cs typeface="Calibri" panose="020F0502020204030204" pitchFamily="34" charset="0"/>
+              </a:rPr>
+              <a:t>, H. F., Berk, A., Kaiser, C. A., Krieger, M., &amp; Scott, M. P. (2007). </a:t>
+            </a:r>
+            <a:r>
+              <a:rPr lang="en-US" altLang="en-US" sz="2800" i="1" dirty="0">
+                <a:latin typeface="Calibri" panose="020F0502020204030204" pitchFamily="34" charset="0"/>
+                <a:cs typeface="Calibri" panose="020F0502020204030204" pitchFamily="34" charset="0"/>
+              </a:rPr>
+              <a:t>Molecular Cell Biology</a:t>
+            </a:r>
+            <a:r>
+              <a:rPr lang="en-US" altLang="en-US" sz="2800" dirty="0">
+                <a:latin typeface="Calibri" panose="020F0502020204030204" pitchFamily="34" charset="0"/>
+                <a:cs typeface="Calibri" panose="020F0502020204030204" pitchFamily="34" charset="0"/>
+              </a:rPr>
+              <a:t>. W H Freeman &amp; Company.</a:t>
+            </a:r>
+            <a:endParaRPr kumimoji="0" lang="en-US" altLang="en-US" sz="2800" b="0" i="0" u="none" strike="noStrike" cap="none" normalizeH="0" baseline="0" dirty="0">
+              <a:ln>
+                <a:noFill/>
+              </a:ln>
+              <a:solidFill>
+                <a:schemeClr val="tx1"/>
+              </a:solidFill>
+              <a:effectLst/>
+              <a:latin typeface="Calibri" panose="020F0502020204030204" pitchFamily="34" charset="0"/>
+              <a:cs typeface="Calibri" panose="020F0502020204030204" pitchFamily="34" charset="0"/>
+            </a:endParaRPr>
+          </a:p>
+          <a:p>
             <a:pPr marL="711200" marR="0" lvl="0" indent="-711200" algn="just" defTabSz="914400" rtl="0" eaLnBrk="0" fontAlgn="base" latinLnBrk="0" hangingPunct="0">
               <a:lnSpc>
                 <a:spcPct val="100000"/>
@@ -5879,7 +6815,7 @@
               <a:tabLst/>
             </a:pPr>
             <a:r>
-              <a:rPr kumimoji="0" lang="en-US" altLang="en-US" sz="2500" b="0" i="0" u="none" strike="noStrike" cap="none" normalizeH="0" baseline="0" dirty="0">
+              <a:rPr kumimoji="0" lang="en-US" altLang="en-US" sz="2800" b="0" i="0" u="none" strike="noStrike" cap="none" normalizeH="0" baseline="0" dirty="0">
                 <a:ln>
                   <a:noFill/>
                 </a:ln>
@@ -5890,10 +6826,10 @@
                 <a:latin typeface="Calibri" panose="020F0502020204030204" pitchFamily="34" charset="0"/>
                 <a:cs typeface="Calibri" panose="020F0502020204030204" pitchFamily="34" charset="0"/>
               </a:rPr>
-              <a:t>Barnard, C. J., Gilbert, F. S., &amp; </a:t>
-            </a:r>
-            <a:r>
-              <a:rPr kumimoji="0" lang="en-US" altLang="en-US" sz="2500" b="0" i="0" u="none" strike="noStrike" cap="none" normalizeH="0" baseline="0" dirty="0" err="1">
+              <a:t>Quinnell, S., Hulsman, K., &amp; Davie, P. (2004). Protein model for pollutant uptake and elimination by living organisms and its implications for ecotoxicology. </a:t>
+            </a:r>
+            <a:r>
+              <a:rPr kumimoji="0" lang="en-US" altLang="en-US" sz="2800" b="0" i="1" u="none" strike="noStrike" cap="none" normalizeH="0" baseline="0" dirty="0">
                 <a:ln>
                   <a:noFill/>
                 </a:ln>
@@ -5904,10 +6840,10 @@
                 <a:latin typeface="Calibri" panose="020F0502020204030204" pitchFamily="34" charset="0"/>
                 <a:cs typeface="Calibri" panose="020F0502020204030204" pitchFamily="34" charset="0"/>
               </a:rPr>
-              <a:t>Mcgregor</a:t>
-            </a:r>
-            <a:r>
-              <a:rPr kumimoji="0" lang="en-US" altLang="en-US" sz="2500" b="0" i="0" u="none" strike="noStrike" cap="none" normalizeH="0" baseline="0" dirty="0">
+              <a:t>Marine Ecology Progress Series</a:t>
+            </a:r>
+            <a:r>
+              <a:rPr kumimoji="0" lang="en-US" altLang="en-US" sz="2800" b="0" i="0" u="none" strike="noStrike" cap="none" normalizeH="0" baseline="0" dirty="0">
                 <a:ln>
                   <a:noFill/>
                 </a:ln>
@@ -5918,10 +6854,10 @@
                 <a:latin typeface="Calibri" panose="020F0502020204030204" pitchFamily="34" charset="0"/>
                 <a:cs typeface="Calibri" panose="020F0502020204030204" pitchFamily="34" charset="0"/>
               </a:rPr>
-              <a:t>, P. K. (2007). </a:t>
-            </a:r>
-            <a:r>
-              <a:rPr kumimoji="0" lang="en-US" altLang="en-US" sz="2500" b="0" i="1" u="none" strike="noStrike" cap="none" normalizeH="0" baseline="0" dirty="0">
+              <a:t>, </a:t>
+            </a:r>
+            <a:r>
+              <a:rPr kumimoji="0" lang="en-US" altLang="en-US" sz="2800" b="0" i="1" u="none" strike="noStrike" cap="none" normalizeH="0" baseline="0" dirty="0">
                 <a:ln>
                   <a:noFill/>
                 </a:ln>
@@ -5932,10 +6868,10 @@
                 <a:latin typeface="Calibri" panose="020F0502020204030204" pitchFamily="34" charset="0"/>
                 <a:cs typeface="Calibri" panose="020F0502020204030204" pitchFamily="34" charset="0"/>
               </a:rPr>
-              <a:t>Asking questions in biology : key skills for practical assessments and project work</a:t>
-            </a:r>
-            <a:r>
-              <a:rPr kumimoji="0" lang="en-US" altLang="en-US" sz="2500" b="0" i="0" u="none" strike="noStrike" cap="none" normalizeH="0" baseline="0" dirty="0">
+              <a:t>274</a:t>
+            </a:r>
+            <a:r>
+              <a:rPr kumimoji="0" lang="en-US" altLang="en-US" sz="2800" b="0" i="0" u="none" strike="noStrike" cap="none" normalizeH="0" baseline="0" dirty="0">
                 <a:ln>
                   <a:noFill/>
                 </a:ln>
@@ -5946,8 +6882,27 @@
                 <a:latin typeface="Calibri" panose="020F0502020204030204" pitchFamily="34" charset="0"/>
                 <a:cs typeface="Calibri" panose="020F0502020204030204" pitchFamily="34" charset="0"/>
               </a:rPr>
-              <a:t>. Prentice Hall.</a:t>
-            </a:r>
+              <a:t>(12), 1–16. </a:t>
+            </a:r>
+            <a:r>
+              <a:rPr kumimoji="0" lang="en-US" altLang="en-US" sz="2800" b="0" i="0" u="none" strike="noStrike" cap="none" normalizeH="0" baseline="0" dirty="0">
+                <a:ln>
+                  <a:noFill/>
+                </a:ln>
+                <a:solidFill>
+                  <a:schemeClr val="tx1"/>
+                </a:solidFill>
+                <a:effectLst/>
+                <a:latin typeface="Calibri" panose="020F0502020204030204" pitchFamily="34" charset="0"/>
+                <a:cs typeface="Calibri" panose="020F0502020204030204" pitchFamily="34" charset="0"/>
+                <a:hlinkClick r:id="rId7"/>
+              </a:rPr>
+              <a:t>https://doi.org/10.3354/meps274001</a:t>
+            </a:r>
+            <a:endParaRPr lang="en-US" altLang="en-US" sz="2800" dirty="0">
+              <a:latin typeface="Calibri" panose="020F0502020204030204" pitchFamily="34" charset="0"/>
+              <a:cs typeface="Calibri" panose="020F0502020204030204" pitchFamily="34" charset="0"/>
+            </a:endParaRPr>
           </a:p>
           <a:p>
             <a:pPr marL="711200" marR="0" lvl="0" indent="-711200" algn="just" defTabSz="914400" rtl="0" eaLnBrk="0" fontAlgn="base" latinLnBrk="0" hangingPunct="0">
@@ -5967,7 +6922,7 @@
               <a:tabLst/>
             </a:pPr>
             <a:r>
-              <a:rPr kumimoji="0" lang="en-US" altLang="en-US" sz="2500" b="0" i="0" u="none" strike="noStrike" cap="none" normalizeH="0" baseline="0" dirty="0">
+              <a:rPr kumimoji="0" lang="en-US" altLang="en-US" sz="2800" b="0" i="0" u="none" strike="noStrike" cap="none" normalizeH="0" baseline="0" dirty="0">
                 <a:ln>
                   <a:noFill/>
                 </a:ln>
@@ -5978,10 +6933,10 @@
                 <a:latin typeface="Calibri" panose="020F0502020204030204" pitchFamily="34" charset="0"/>
                 <a:cs typeface="Calibri" panose="020F0502020204030204" pitchFamily="34" charset="0"/>
               </a:rPr>
-              <a:t>Campbell, N. A., Urry, L. A., Cain, M. L., Wasserman, S. A., Minorsky, P. V., &amp; Orr, R. B. (2021). </a:t>
-            </a:r>
-            <a:r>
-              <a:rPr kumimoji="0" lang="en-US" altLang="en-US" sz="2500" b="0" i="1" u="none" strike="noStrike" cap="none" normalizeH="0" baseline="0" dirty="0">
+              <a:t>Sherwood, L. (2016). </a:t>
+            </a:r>
+            <a:r>
+              <a:rPr kumimoji="0" lang="en-US" altLang="en-US" sz="2800" b="0" i="1" u="none" strike="noStrike" cap="none" normalizeH="0" baseline="0" dirty="0">
                 <a:ln>
                   <a:noFill/>
                 </a:ln>
@@ -5992,10 +6947,10 @@
                 <a:latin typeface="Calibri" panose="020F0502020204030204" pitchFamily="34" charset="0"/>
                 <a:cs typeface="Calibri" panose="020F0502020204030204" pitchFamily="34" charset="0"/>
               </a:rPr>
-              <a:t>Biology: A Global Approach</a:t>
-            </a:r>
-            <a:r>
-              <a:rPr kumimoji="0" lang="en-US" altLang="en-US" sz="2500" b="0" i="0" u="none" strike="noStrike" cap="none" normalizeH="0" baseline="0" dirty="0">
+              <a:t>Human Physiology : from Cells to Systems</a:t>
+            </a:r>
+            <a:r>
+              <a:rPr kumimoji="0" lang="en-US" altLang="en-US" sz="2800" b="0" i="0" u="none" strike="noStrike" cap="none" normalizeH="0" baseline="0" dirty="0">
                 <a:ln>
                   <a:noFill/>
                 </a:ln>
@@ -6006,7 +6961,7 @@
                 <a:latin typeface="Calibri" panose="020F0502020204030204" pitchFamily="34" charset="0"/>
                 <a:cs typeface="Calibri" panose="020F0502020204030204" pitchFamily="34" charset="0"/>
               </a:rPr>
-              <a:t> (12th ed.). Pearson Education Limited.</a:t>
+              <a:t> (9th ed.). Cengage Learning.</a:t>
             </a:r>
           </a:p>
           <a:p>
@@ -6027,7 +6982,7 @@
               <a:tabLst/>
             </a:pPr>
             <a:r>
-              <a:rPr kumimoji="0" lang="en-US" altLang="en-US" sz="2500" b="0" i="0" u="none" strike="noStrike" cap="none" normalizeH="0" baseline="0" dirty="0">
+              <a:rPr kumimoji="0" lang="en-US" altLang="en-US" sz="2800" b="0" i="0" u="none" strike="noStrike" cap="none" normalizeH="0" baseline="0" dirty="0">
                 <a:ln>
                   <a:noFill/>
                 </a:ln>
@@ -6038,10 +6993,10 @@
                 <a:latin typeface="Calibri" panose="020F0502020204030204" pitchFamily="34" charset="0"/>
                 <a:cs typeface="Calibri" panose="020F0502020204030204" pitchFamily="34" charset="0"/>
               </a:rPr>
-              <a:t>Gillam, P. (2015, October 19). </a:t>
-            </a:r>
-            <a:r>
-              <a:rPr kumimoji="0" lang="en-US" altLang="en-US" sz="2500" b="0" i="1" u="none" strike="noStrike" cap="none" normalizeH="0" baseline="0" dirty="0">
+              <a:t>Silverthorn, D. U., Johnson, B. R., Ober, W. C., Ober, C. E., &amp; Silverthorn, A. C. (2016). </a:t>
+            </a:r>
+            <a:r>
+              <a:rPr kumimoji="0" lang="en-US" altLang="en-US" sz="2800" b="0" i="1" u="none" strike="noStrike" cap="none" normalizeH="0" baseline="0" dirty="0">
                 <a:ln>
                   <a:noFill/>
                 </a:ln>
@@ -6052,10 +7007,10 @@
                 <a:latin typeface="Calibri" panose="020F0502020204030204" pitchFamily="34" charset="0"/>
                 <a:cs typeface="Calibri" panose="020F0502020204030204" pitchFamily="34" charset="0"/>
               </a:rPr>
-              <a:t>diffusion – PMG Biology</a:t>
-            </a:r>
-            <a:r>
-              <a:rPr kumimoji="0" lang="en-US" altLang="en-US" sz="2500" b="0" i="0" u="none" strike="noStrike" cap="none" normalizeH="0" baseline="0" dirty="0">
+              <a:t>Human physiology : an integrated approach</a:t>
+            </a:r>
+            <a:r>
+              <a:rPr kumimoji="0" lang="en-US" altLang="en-US" sz="2800" b="0" i="0" u="none" strike="noStrike" cap="none" normalizeH="0" baseline="0" dirty="0">
                 <a:ln>
                   <a:noFill/>
                 </a:ln>
@@ -6066,7 +7021,7 @@
                 <a:latin typeface="Calibri" panose="020F0502020204030204" pitchFamily="34" charset="0"/>
                 <a:cs typeface="Calibri" panose="020F0502020204030204" pitchFamily="34" charset="0"/>
               </a:rPr>
-              <a:t>. PMG Biology. https://pmgbiology.com/tag/diffusion/</a:t>
+              <a:t> (6th ed.). Pearson.</a:t>
             </a:r>
           </a:p>
           <a:p>
@@ -6087,7 +7042,7 @@
               <a:tabLst/>
             </a:pPr>
             <a:r>
-              <a:rPr kumimoji="0" lang="en-US" altLang="en-US" sz="2500" b="0" i="0" u="none" strike="noStrike" cap="none" normalizeH="0" baseline="0" dirty="0">
+              <a:rPr kumimoji="0" lang="en-US" altLang="en-US" sz="2800" b="0" i="0" u="none" strike="noStrike" cap="none" normalizeH="0" baseline="0" dirty="0">
                 <a:ln>
                   <a:noFill/>
                 </a:ln>
@@ -6098,10 +7053,10 @@
                 <a:latin typeface="Calibri" panose="020F0502020204030204" pitchFamily="34" charset="0"/>
                 <a:cs typeface="Calibri" panose="020F0502020204030204" pitchFamily="34" charset="0"/>
               </a:rPr>
-              <a:t>Kratz, R. F., &amp; Siegfried, D. R. (2010). </a:t>
-            </a:r>
-            <a:r>
-              <a:rPr kumimoji="0" lang="en-US" altLang="en-US" sz="2500" b="0" i="1" u="none" strike="noStrike" cap="none" normalizeH="0" baseline="0" dirty="0">
+              <a:t>Wilkin, D., &amp; Brainard, J. (2021, November 23). </a:t>
+            </a:r>
+            <a:r>
+              <a:rPr kumimoji="0" lang="en-US" altLang="en-US" sz="2800" b="0" i="1" u="none" strike="noStrike" cap="none" normalizeH="0" baseline="0" dirty="0">
                 <a:ln>
                   <a:noFill/>
                 </a:ln>
@@ -6112,10 +7067,10 @@
                 <a:latin typeface="Calibri" panose="020F0502020204030204" pitchFamily="34" charset="0"/>
                 <a:cs typeface="Calibri" panose="020F0502020204030204" pitchFamily="34" charset="0"/>
               </a:rPr>
-              <a:t>Biology For Dummies</a:t>
-            </a:r>
-            <a:r>
-              <a:rPr kumimoji="0" lang="en-US" altLang="en-US" sz="2500" b="0" i="0" u="none" strike="noStrike" cap="none" normalizeH="0" baseline="0" dirty="0">
+              <a:t>CK12-Foundation</a:t>
+            </a:r>
+            <a:r>
+              <a:rPr kumimoji="0" lang="en-US" altLang="en-US" sz="2800" b="0" i="0" u="none" strike="noStrike" cap="none" normalizeH="0" baseline="0" dirty="0">
                 <a:ln>
                   <a:noFill/>
                 </a:ln>
@@ -6126,8 +7081,34 @@
                 <a:latin typeface="Calibri" panose="020F0502020204030204" pitchFamily="34" charset="0"/>
                 <a:cs typeface="Calibri" panose="020F0502020204030204" pitchFamily="34" charset="0"/>
               </a:rPr>
-              <a:t>. John Wiley &amp; Sons.</a:t>
-            </a:r>
+              <a:t>. Flexbooks.ck12.org. </a:t>
+            </a:r>
+            <a:r>
+              <a:rPr kumimoji="0" lang="en-US" altLang="en-US" sz="2800" b="0" i="0" u="none" strike="noStrike" cap="none" normalizeH="0" baseline="0" dirty="0">
+                <a:ln>
+                  <a:noFill/>
+                </a:ln>
+                <a:solidFill>
+                  <a:schemeClr val="tx1"/>
+                </a:solidFill>
+                <a:effectLst/>
+                <a:latin typeface="Calibri" panose="020F0502020204030204" pitchFamily="34" charset="0"/>
+                <a:cs typeface="Calibri" panose="020F0502020204030204" pitchFamily="34" charset="0"/>
+                <a:hlinkClick r:id="rId8"/>
+              </a:rPr>
+              <a:t>https://flexbooks.ck12.org/cbook/ck-12-biology-flexbook-2.0/section/2.12/primary/lesson/osmosis-bio/</a:t>
+            </a:r>
+            <a:endParaRPr kumimoji="0" lang="en-US" altLang="en-US" sz="2800" b="0" i="0" u="none" strike="noStrike" cap="none" normalizeH="0" baseline="0" dirty="0">
+              <a:ln>
+                <a:noFill/>
+              </a:ln>
+              <a:solidFill>
+                <a:schemeClr val="tx1"/>
+              </a:solidFill>
+              <a:effectLst/>
+              <a:latin typeface="Calibri" panose="020F0502020204030204" pitchFamily="34" charset="0"/>
+              <a:cs typeface="Calibri" panose="020F0502020204030204" pitchFamily="34" charset="0"/>
+            </a:endParaRPr>
           </a:p>
           <a:p>
             <a:pPr marL="711200" marR="0" lvl="0" indent="-711200" algn="just" defTabSz="914400" rtl="0" eaLnBrk="0" fontAlgn="base" latinLnBrk="0" hangingPunct="0">
@@ -6146,316 +7127,17 @@
               <a:buNone/>
               <a:tabLst/>
             </a:pPr>
-            <a:r>
-              <a:rPr kumimoji="0" lang="en-US" altLang="en-US" sz="2500" b="0" i="0" u="none" strike="noStrike" cap="none" normalizeH="0" baseline="0" dirty="0">
-                <a:ln>
-                  <a:noFill/>
-                </a:ln>
-                <a:solidFill>
-                  <a:schemeClr val="tx1"/>
-                </a:solidFill>
-                <a:effectLst/>
-                <a:latin typeface="Calibri" panose="020F0502020204030204" pitchFamily="34" charset="0"/>
-                <a:cs typeface="Calibri" panose="020F0502020204030204" pitchFamily="34" charset="0"/>
-              </a:rPr>
-              <a:t>Lodish, H. F., Berk, A., Kaiser, C. A., Krieger, M., &amp; Scott, M. P. (2007). </a:t>
-            </a:r>
-            <a:r>
-              <a:rPr kumimoji="0" lang="en-US" altLang="en-US" sz="2500" b="0" i="1" u="none" strike="noStrike" cap="none" normalizeH="0" baseline="0" dirty="0">
-                <a:ln>
-                  <a:noFill/>
-                </a:ln>
-                <a:solidFill>
-                  <a:schemeClr val="tx1"/>
-                </a:solidFill>
-                <a:effectLst/>
-                <a:latin typeface="Calibri" panose="020F0502020204030204" pitchFamily="34" charset="0"/>
-                <a:cs typeface="Calibri" panose="020F0502020204030204" pitchFamily="34" charset="0"/>
-              </a:rPr>
-              <a:t>Molecular Cell Biology</a:t>
-            </a:r>
-            <a:r>
-              <a:rPr kumimoji="0" lang="en-US" altLang="en-US" sz="2500" b="0" i="0" u="none" strike="noStrike" cap="none" normalizeH="0" baseline="0" dirty="0">
-                <a:ln>
-                  <a:noFill/>
-                </a:ln>
-                <a:solidFill>
-                  <a:schemeClr val="tx1"/>
-                </a:solidFill>
-                <a:effectLst/>
-                <a:latin typeface="Calibri" panose="020F0502020204030204" pitchFamily="34" charset="0"/>
-                <a:cs typeface="Calibri" panose="020F0502020204030204" pitchFamily="34" charset="0"/>
-              </a:rPr>
-              <a:t>. W H Freeman &amp; Company.</a:t>
-            </a:r>
-          </a:p>
-          <a:p>
-            <a:pPr marL="711200" marR="0" lvl="0" indent="-711200" algn="just" defTabSz="914400" rtl="0" eaLnBrk="0" fontAlgn="base" latinLnBrk="0" hangingPunct="0">
-              <a:lnSpc>
-                <a:spcPct val="100000"/>
-              </a:lnSpc>
-              <a:spcBef>
-                <a:spcPct val="0"/>
-              </a:spcBef>
-              <a:spcAft>
-                <a:spcPct val="0"/>
-              </a:spcAft>
-              <a:buClrTx/>
-              <a:buSzTx/>
-              <a:buFontTx/>
-              <a:buNone/>
-              <a:tabLst/>
-            </a:pPr>
-            <a:r>
-              <a:rPr kumimoji="0" lang="en-US" altLang="en-US" sz="2500" b="0" i="0" u="none" strike="noStrike" cap="none" normalizeH="0" baseline="0" dirty="0">
-                <a:ln>
-                  <a:noFill/>
-                </a:ln>
-                <a:solidFill>
-                  <a:schemeClr val="tx1"/>
-                </a:solidFill>
-                <a:effectLst/>
-                <a:latin typeface="Calibri" panose="020F0502020204030204" pitchFamily="34" charset="0"/>
-                <a:cs typeface="Calibri" panose="020F0502020204030204" pitchFamily="34" charset="0"/>
-              </a:rPr>
-              <a:t>Quinnell, S., Hulsman, K., &amp; Davie, P. (2004). Protein model for pollutant uptake and elimination by living organisms and its implications for ecotoxicology. </a:t>
-            </a:r>
-            <a:r>
-              <a:rPr kumimoji="0" lang="en-US" altLang="en-US" sz="2500" b="0" i="1" u="none" strike="noStrike" cap="none" normalizeH="0" baseline="0" dirty="0">
-                <a:ln>
-                  <a:noFill/>
-                </a:ln>
-                <a:solidFill>
-                  <a:schemeClr val="tx1"/>
-                </a:solidFill>
-                <a:effectLst/>
-                <a:latin typeface="Calibri" panose="020F0502020204030204" pitchFamily="34" charset="0"/>
-                <a:cs typeface="Calibri" panose="020F0502020204030204" pitchFamily="34" charset="0"/>
-              </a:rPr>
-              <a:t>Marine Ecology Progress Series</a:t>
-            </a:r>
-            <a:r>
-              <a:rPr kumimoji="0" lang="en-US" altLang="en-US" sz="2500" b="0" i="0" u="none" strike="noStrike" cap="none" normalizeH="0" baseline="0" dirty="0">
-                <a:ln>
-                  <a:noFill/>
-                </a:ln>
-                <a:solidFill>
-                  <a:schemeClr val="tx1"/>
-                </a:solidFill>
-                <a:effectLst/>
-                <a:latin typeface="Calibri" panose="020F0502020204030204" pitchFamily="34" charset="0"/>
-                <a:cs typeface="Calibri" panose="020F0502020204030204" pitchFamily="34" charset="0"/>
-              </a:rPr>
-              <a:t>, </a:t>
-            </a:r>
-            <a:r>
-              <a:rPr kumimoji="0" lang="en-US" altLang="en-US" sz="2500" b="0" i="1" u="none" strike="noStrike" cap="none" normalizeH="0" baseline="0" dirty="0">
-                <a:ln>
-                  <a:noFill/>
-                </a:ln>
-                <a:solidFill>
-                  <a:schemeClr val="tx1"/>
-                </a:solidFill>
-                <a:effectLst/>
-                <a:latin typeface="Calibri" panose="020F0502020204030204" pitchFamily="34" charset="0"/>
-                <a:cs typeface="Calibri" panose="020F0502020204030204" pitchFamily="34" charset="0"/>
-              </a:rPr>
-              <a:t>274</a:t>
-            </a:r>
-            <a:r>
-              <a:rPr kumimoji="0" lang="en-US" altLang="en-US" sz="2500" b="0" i="0" u="none" strike="noStrike" cap="none" normalizeH="0" baseline="0" dirty="0">
-                <a:ln>
-                  <a:noFill/>
-                </a:ln>
-                <a:solidFill>
-                  <a:schemeClr val="tx1"/>
-                </a:solidFill>
-                <a:effectLst/>
-                <a:latin typeface="Calibri" panose="020F0502020204030204" pitchFamily="34" charset="0"/>
-                <a:cs typeface="Calibri" panose="020F0502020204030204" pitchFamily="34" charset="0"/>
-              </a:rPr>
-              <a:t>(12), 1–16. https://doi.org/10.3354/meps274001</a:t>
-            </a:r>
-          </a:p>
-          <a:p>
-            <a:pPr marL="711200" marR="0" lvl="0" indent="-711200" algn="just" defTabSz="914400" rtl="0" eaLnBrk="0" fontAlgn="base" latinLnBrk="0" hangingPunct="0">
-              <a:lnSpc>
-                <a:spcPct val="100000"/>
-              </a:lnSpc>
-              <a:spcBef>
-                <a:spcPct val="0"/>
-              </a:spcBef>
-              <a:spcAft>
-                <a:spcPct val="0"/>
-              </a:spcAft>
-              <a:buClrTx/>
-              <a:buSzTx/>
-              <a:buFontTx/>
-              <a:buNone/>
-              <a:tabLst/>
-            </a:pPr>
-            <a:r>
-              <a:rPr kumimoji="0" lang="en-US" altLang="en-US" sz="2500" b="0" i="0" u="none" strike="noStrike" cap="none" normalizeH="0" baseline="0" dirty="0">
-                <a:ln>
-                  <a:noFill/>
-                </a:ln>
-                <a:solidFill>
-                  <a:schemeClr val="tx1"/>
-                </a:solidFill>
-                <a:effectLst/>
-                <a:latin typeface="Calibri" panose="020F0502020204030204" pitchFamily="34" charset="0"/>
-                <a:cs typeface="Calibri" panose="020F0502020204030204" pitchFamily="34" charset="0"/>
-              </a:rPr>
-              <a:t>Sherwood, L. (2016). </a:t>
-            </a:r>
-            <a:r>
-              <a:rPr kumimoji="0" lang="en-US" altLang="en-US" sz="2500" b="0" i="1" u="none" strike="noStrike" cap="none" normalizeH="0" baseline="0" dirty="0">
-                <a:ln>
-                  <a:noFill/>
-                </a:ln>
-                <a:solidFill>
-                  <a:schemeClr val="tx1"/>
-                </a:solidFill>
-                <a:effectLst/>
-                <a:latin typeface="Calibri" panose="020F0502020204030204" pitchFamily="34" charset="0"/>
-                <a:cs typeface="Calibri" panose="020F0502020204030204" pitchFamily="34" charset="0"/>
-              </a:rPr>
-              <a:t>Human Physiology : from Cells to Systems</a:t>
-            </a:r>
-            <a:r>
-              <a:rPr kumimoji="0" lang="en-US" altLang="en-US" sz="2500" b="0" i="0" u="none" strike="noStrike" cap="none" normalizeH="0" baseline="0" dirty="0">
-                <a:ln>
-                  <a:noFill/>
-                </a:ln>
-                <a:solidFill>
-                  <a:schemeClr val="tx1"/>
-                </a:solidFill>
-                <a:effectLst/>
-                <a:latin typeface="Calibri" panose="020F0502020204030204" pitchFamily="34" charset="0"/>
-                <a:cs typeface="Calibri" panose="020F0502020204030204" pitchFamily="34" charset="0"/>
-              </a:rPr>
-              <a:t> (9th ed.). Cengage Learning.</a:t>
-            </a:r>
-          </a:p>
-          <a:p>
-            <a:pPr marL="711200" marR="0" lvl="0" indent="-711200" algn="just" defTabSz="914400" rtl="0" eaLnBrk="0" fontAlgn="base" latinLnBrk="0" hangingPunct="0">
-              <a:lnSpc>
-                <a:spcPct val="100000"/>
-              </a:lnSpc>
-              <a:spcBef>
-                <a:spcPct val="0"/>
-              </a:spcBef>
-              <a:spcAft>
-                <a:spcPct val="0"/>
-              </a:spcAft>
-              <a:buClrTx/>
-              <a:buSzTx/>
-              <a:buFontTx/>
-              <a:buNone/>
-              <a:tabLst/>
-            </a:pPr>
-            <a:r>
-              <a:rPr kumimoji="0" lang="en-US" altLang="en-US" sz="2500" b="0" i="0" u="none" strike="noStrike" cap="none" normalizeH="0" baseline="0" dirty="0">
-                <a:ln>
-                  <a:noFill/>
-                </a:ln>
-                <a:solidFill>
-                  <a:schemeClr val="tx1"/>
-                </a:solidFill>
-                <a:effectLst/>
-                <a:latin typeface="Calibri" panose="020F0502020204030204" pitchFamily="34" charset="0"/>
-                <a:cs typeface="Calibri" panose="020F0502020204030204" pitchFamily="34" charset="0"/>
-              </a:rPr>
-              <a:t>Silverthorn, D. U., Johnson, B. R., Ober, W. C., Ober, C. E., &amp; Silverthorn, A. C. (2016). </a:t>
-            </a:r>
-            <a:r>
-              <a:rPr kumimoji="0" lang="en-US" altLang="en-US" sz="2500" b="0" i="1" u="none" strike="noStrike" cap="none" normalizeH="0" baseline="0" dirty="0">
-                <a:ln>
-                  <a:noFill/>
-                </a:ln>
-                <a:solidFill>
-                  <a:schemeClr val="tx1"/>
-                </a:solidFill>
-                <a:effectLst/>
-                <a:latin typeface="Calibri" panose="020F0502020204030204" pitchFamily="34" charset="0"/>
-                <a:cs typeface="Calibri" panose="020F0502020204030204" pitchFamily="34" charset="0"/>
-              </a:rPr>
-              <a:t>Human physiology : an integrated approach</a:t>
-            </a:r>
-            <a:r>
-              <a:rPr kumimoji="0" lang="en-US" altLang="en-US" sz="2500" b="0" i="0" u="none" strike="noStrike" cap="none" normalizeH="0" baseline="0" dirty="0">
-                <a:ln>
-                  <a:noFill/>
-                </a:ln>
-                <a:solidFill>
-                  <a:schemeClr val="tx1"/>
-                </a:solidFill>
-                <a:effectLst/>
-                <a:latin typeface="Calibri" panose="020F0502020204030204" pitchFamily="34" charset="0"/>
-                <a:cs typeface="Calibri" panose="020F0502020204030204" pitchFamily="34" charset="0"/>
-              </a:rPr>
-              <a:t> (6th ed.). Pearson.</a:t>
-            </a:r>
-          </a:p>
-          <a:p>
-            <a:pPr marL="711200" marR="0" lvl="0" indent="-711200" algn="just" defTabSz="914400" rtl="0" eaLnBrk="0" fontAlgn="base" latinLnBrk="0" hangingPunct="0">
-              <a:lnSpc>
-                <a:spcPct val="100000"/>
-              </a:lnSpc>
-              <a:spcBef>
-                <a:spcPct val="0"/>
-              </a:spcBef>
-              <a:spcAft>
-                <a:spcPct val="0"/>
-              </a:spcAft>
-              <a:buClrTx/>
-              <a:buSzTx/>
-              <a:buFontTx/>
-              <a:buNone/>
-              <a:tabLst/>
-            </a:pPr>
-            <a:r>
-              <a:rPr kumimoji="0" lang="en-US" altLang="en-US" sz="2500" b="0" i="0" u="none" strike="noStrike" cap="none" normalizeH="0" baseline="0" dirty="0">
-                <a:ln>
-                  <a:noFill/>
-                </a:ln>
-                <a:solidFill>
-                  <a:schemeClr val="tx1"/>
-                </a:solidFill>
-                <a:effectLst/>
-                <a:latin typeface="Calibri" panose="020F0502020204030204" pitchFamily="34" charset="0"/>
-                <a:cs typeface="Calibri" panose="020F0502020204030204" pitchFamily="34" charset="0"/>
-              </a:rPr>
-              <a:t>Wilkin, D., &amp; Brainard, J. (2021, November 23). </a:t>
-            </a:r>
-            <a:r>
-              <a:rPr kumimoji="0" lang="en-US" altLang="en-US" sz="2500" b="0" i="1" u="none" strike="noStrike" cap="none" normalizeH="0" baseline="0" dirty="0">
-                <a:ln>
-                  <a:noFill/>
-                </a:ln>
-                <a:solidFill>
-                  <a:schemeClr val="tx1"/>
-                </a:solidFill>
-                <a:effectLst/>
-                <a:latin typeface="Calibri" panose="020F0502020204030204" pitchFamily="34" charset="0"/>
-                <a:cs typeface="Calibri" panose="020F0502020204030204" pitchFamily="34" charset="0"/>
-              </a:rPr>
-              <a:t>CK12-Foundation</a:t>
-            </a:r>
-            <a:r>
-              <a:rPr kumimoji="0" lang="en-US" altLang="en-US" sz="2500" b="0" i="0" u="none" strike="noStrike" cap="none" normalizeH="0" baseline="0" dirty="0">
-                <a:ln>
-                  <a:noFill/>
-                </a:ln>
-                <a:solidFill>
-                  <a:schemeClr val="tx1"/>
-                </a:solidFill>
-                <a:effectLst/>
-                <a:latin typeface="Calibri" panose="020F0502020204030204" pitchFamily="34" charset="0"/>
-                <a:cs typeface="Calibri" panose="020F0502020204030204" pitchFamily="34" charset="0"/>
-              </a:rPr>
-              <a:t>. Flexbooks.ck12.org. https://flexbooks.ck12.org/cbook/ck-12-biology-flexbook-2.0/section/2.12/primary/lesson/osmosis-bio/</a:t>
-            </a:r>
+            <a:endParaRPr kumimoji="0" lang="en-US" altLang="en-US" sz="2800" b="0" i="0" u="none" strike="noStrike" cap="none" normalizeH="0" baseline="0" dirty="0">
+              <a:ln>
+                <a:noFill/>
+              </a:ln>
+              <a:solidFill>
+                <a:schemeClr val="tx1"/>
+              </a:solidFill>
+              <a:effectLst/>
+              <a:latin typeface="Calibri" panose="020F0502020204030204" pitchFamily="34" charset="0"/>
+              <a:cs typeface="Calibri" panose="020F0502020204030204" pitchFamily="34" charset="0"/>
+            </a:endParaRPr>
           </a:p>
         </p:txBody>
       </p:sp>
@@ -6785,4 +7467,319 @@
     </a:ext>
   </a:extLst>
 </a:theme>
+</file>
+
+<file path=ppt/theme/theme2.xml><?xml version="1.0" encoding="utf-8"?>
+<a:theme xmlns:a="http://schemas.openxmlformats.org/drawingml/2006/main" name="Office Theme">
+  <a:themeElements>
+    <a:clrScheme name="Office">
+      <a:dk1>
+        <a:sysClr val="windowText" lastClr="000000"/>
+      </a:dk1>
+      <a:lt1>
+        <a:sysClr val="window" lastClr="FFFFFF"/>
+      </a:lt1>
+      <a:dk2>
+        <a:srgbClr val="0E2841"/>
+      </a:dk2>
+      <a:lt2>
+        <a:srgbClr val="E8E8E8"/>
+      </a:lt2>
+      <a:accent1>
+        <a:srgbClr val="156082"/>
+      </a:accent1>
+      <a:accent2>
+        <a:srgbClr val="E97132"/>
+      </a:accent2>
+      <a:accent3>
+        <a:srgbClr val="196B24"/>
+      </a:accent3>
+      <a:accent4>
+        <a:srgbClr val="0F9ED5"/>
+      </a:accent4>
+      <a:accent5>
+        <a:srgbClr val="A02B93"/>
+      </a:accent5>
+      <a:accent6>
+        <a:srgbClr val="4EA72E"/>
+      </a:accent6>
+      <a:hlink>
+        <a:srgbClr val="467886"/>
+      </a:hlink>
+      <a:folHlink>
+        <a:srgbClr val="96607D"/>
+      </a:folHlink>
+    </a:clrScheme>
+    <a:fontScheme name="Office">
+      <a:majorFont>
+        <a:latin typeface="Aptos Display" panose="02110004020202020204"/>
+        <a:ea typeface=""/>
+        <a:cs typeface=""/>
+        <a:font script="Jpan" typeface="游ゴシック Light"/>
+        <a:font script="Hang" typeface="맑은 고딕"/>
+        <a:font script="Hans" typeface="等线 Light"/>
+        <a:font script="Hant" typeface="新細明體"/>
+        <a:font script="Arab" typeface="Times New Roman"/>
+        <a:font script="Hebr" typeface="Times New Roman"/>
+        <a:font script="Thai" typeface="Angsana New"/>
+        <a:font script="Ethi" typeface="Nyala"/>
+        <a:font script="Beng" typeface="Vrinda"/>
+        <a:font script="Gujr" typeface="Shruti"/>
+        <a:font script="Khmr" typeface="MoolBoran"/>
+        <a:font script="Knda" typeface="Tunga"/>
+        <a:font script="Guru" typeface="Raavi"/>
+        <a:font script="Cans" typeface="Euphemia"/>
+        <a:font script="Cher" typeface="Plantagenet Cherokee"/>
+        <a:font script="Yiii" typeface="Microsoft Yi Baiti"/>
+        <a:font script="Tibt" typeface="Microsoft Himalaya"/>
+        <a:font script="Thaa" typeface="MV Boli"/>
+        <a:font script="Deva" typeface="Mangal"/>
+        <a:font script="Telu" typeface="Gautami"/>
+        <a:font script="Taml" typeface="Latha"/>
+        <a:font script="Syrc" typeface="Estrangelo Edessa"/>
+        <a:font script="Orya" typeface="Kalinga"/>
+        <a:font script="Mlym" typeface="Kartika"/>
+        <a:font script="Laoo" typeface="DokChampa"/>
+        <a:font script="Sinh" typeface="Iskoola Pota"/>
+        <a:font script="Mong" typeface="Mongolian Baiti"/>
+        <a:font script="Viet" typeface="Times New Roman"/>
+        <a:font script="Uigh" typeface="Microsoft Uighur"/>
+        <a:font script="Geor" typeface="Sylfaen"/>
+        <a:font script="Armn" typeface="Arial"/>
+        <a:font script="Bugi" typeface="Leelawadee UI"/>
+        <a:font script="Bopo" typeface="Microsoft JhengHei"/>
+        <a:font script="Java" typeface="Javanese Text"/>
+        <a:font script="Lisu" typeface="Segoe UI"/>
+        <a:font script="Mymr" typeface="Myanmar Text"/>
+        <a:font script="Nkoo" typeface="Ebrima"/>
+        <a:font script="Olck" typeface="Nirmala UI"/>
+        <a:font script="Osma" typeface="Ebrima"/>
+        <a:font script="Phag" typeface="Phagspa"/>
+        <a:font script="Syrn" typeface="Estrangelo Edessa"/>
+        <a:font script="Syrj" typeface="Estrangelo Edessa"/>
+        <a:font script="Syre" typeface="Estrangelo Edessa"/>
+        <a:font script="Sora" typeface="Nirmala UI"/>
+        <a:font script="Tale" typeface="Microsoft Tai Le"/>
+        <a:font script="Talu" typeface="Microsoft New Tai Lue"/>
+        <a:font script="Tfng" typeface="Ebrima"/>
+      </a:majorFont>
+      <a:minorFont>
+        <a:latin typeface="Aptos" panose="02110004020202020204"/>
+        <a:ea typeface=""/>
+        <a:cs typeface=""/>
+        <a:font script="Jpan" typeface="游ゴシック"/>
+        <a:font script="Hang" typeface="맑은 고딕"/>
+        <a:font script="Hans" typeface="等线"/>
+        <a:font script="Hant" typeface="新細明體"/>
+        <a:font script="Arab" typeface="Arial"/>
+        <a:font script="Hebr" typeface="Arial"/>
+        <a:font script="Thai" typeface="Cordia New"/>
+        <a:font script="Ethi" typeface="Nyala"/>
+        <a:font script="Beng" typeface="Vrinda"/>
+        <a:font script="Gujr" typeface="Shruti"/>
+        <a:font script="Khmr" typeface="DaunPenh"/>
+        <a:font script="Knda" typeface="Tunga"/>
+        <a:font script="Guru" typeface="Raavi"/>
+        <a:font script="Cans" typeface="Euphemia"/>
+        <a:font script="Cher" typeface="Plantagenet Cherokee"/>
+        <a:font script="Yiii" typeface="Microsoft Yi Baiti"/>
+        <a:font script="Tibt" typeface="Microsoft Himalaya"/>
+        <a:font script="Thaa" typeface="MV Boli"/>
+        <a:font script="Deva" typeface="Mangal"/>
+        <a:font script="Telu" typeface="Gautami"/>
+        <a:font script="Taml" typeface="Latha"/>
+        <a:font script="Syrc" typeface="Estrangelo Edessa"/>
+        <a:font script="Orya" typeface="Kalinga"/>
+        <a:font script="Mlym" typeface="Kartika"/>
+        <a:font script="Laoo" typeface="DokChampa"/>
+        <a:font script="Sinh" typeface="Iskoola Pota"/>
+        <a:font script="Mong" typeface="Mongolian Baiti"/>
+        <a:font script="Viet" typeface="Arial"/>
+        <a:font script="Uigh" typeface="Microsoft Uighur"/>
+        <a:font script="Geor" typeface="Sylfaen"/>
+        <a:font script="Armn" typeface="Arial"/>
+        <a:font script="Bugi" typeface="Leelawadee UI"/>
+        <a:font script="Bopo" typeface="Microsoft JhengHei"/>
+        <a:font script="Java" typeface="Javanese Text"/>
+        <a:font script="Lisu" typeface="Segoe UI"/>
+        <a:font script="Mymr" typeface="Myanmar Text"/>
+        <a:font script="Nkoo" typeface="Ebrima"/>
+        <a:font script="Olck" typeface="Nirmala UI"/>
+        <a:font script="Osma" typeface="Ebrima"/>
+        <a:font script="Phag" typeface="Phagspa"/>
+        <a:font script="Syrn" typeface="Estrangelo Edessa"/>
+        <a:font script="Syrj" typeface="Estrangelo Edessa"/>
+        <a:font script="Syre" typeface="Estrangelo Edessa"/>
+        <a:font script="Sora" typeface="Nirmala UI"/>
+        <a:font script="Tale" typeface="Microsoft Tai Le"/>
+        <a:font script="Talu" typeface="Microsoft New Tai Lue"/>
+        <a:font script="Tfng" typeface="Ebrima"/>
+      </a:minorFont>
+    </a:fontScheme>
+    <a:fmtScheme name="Office">
+      <a:fillStyleLst>
+        <a:solidFill>
+          <a:schemeClr val="phClr"/>
+        </a:solidFill>
+        <a:gradFill rotWithShape="1">
+          <a:gsLst>
+            <a:gs pos="0">
+              <a:schemeClr val="phClr">
+                <a:lumMod val="110000"/>
+                <a:satMod val="105000"/>
+                <a:tint val="67000"/>
+              </a:schemeClr>
+            </a:gs>
+            <a:gs pos="50000">
+              <a:schemeClr val="phClr">
+                <a:lumMod val="105000"/>
+                <a:satMod val="103000"/>
+                <a:tint val="73000"/>
+              </a:schemeClr>
+            </a:gs>
+            <a:gs pos="100000">
+              <a:schemeClr val="phClr">
+                <a:lumMod val="105000"/>
+                <a:satMod val="109000"/>
+                <a:tint val="81000"/>
+              </a:schemeClr>
+            </a:gs>
+          </a:gsLst>
+          <a:lin ang="5400000" scaled="0"/>
+        </a:gradFill>
+        <a:gradFill rotWithShape="1">
+          <a:gsLst>
+            <a:gs pos="0">
+              <a:schemeClr val="phClr">
+                <a:satMod val="103000"/>
+                <a:lumMod val="102000"/>
+                <a:tint val="94000"/>
+              </a:schemeClr>
+            </a:gs>
+            <a:gs pos="50000">
+              <a:schemeClr val="phClr">
+                <a:satMod val="110000"/>
+                <a:lumMod val="100000"/>
+                <a:shade val="100000"/>
+              </a:schemeClr>
+            </a:gs>
+            <a:gs pos="100000">
+              <a:schemeClr val="phClr">
+                <a:lumMod val="99000"/>
+                <a:satMod val="120000"/>
+                <a:shade val="78000"/>
+              </a:schemeClr>
+            </a:gs>
+          </a:gsLst>
+          <a:lin ang="5400000" scaled="0"/>
+        </a:gradFill>
+      </a:fillStyleLst>
+      <a:lnStyleLst>
+        <a:ln w="12700" cap="flat" cmpd="sng" algn="ctr">
+          <a:solidFill>
+            <a:schemeClr val="phClr"/>
+          </a:solidFill>
+          <a:prstDash val="solid"/>
+          <a:miter lim="800000"/>
+        </a:ln>
+        <a:ln w="19050" cap="flat" cmpd="sng" algn="ctr">
+          <a:solidFill>
+            <a:schemeClr val="phClr"/>
+          </a:solidFill>
+          <a:prstDash val="solid"/>
+          <a:miter lim="800000"/>
+        </a:ln>
+        <a:ln w="25400" cap="flat" cmpd="sng" algn="ctr">
+          <a:solidFill>
+            <a:schemeClr val="phClr"/>
+          </a:solidFill>
+          <a:prstDash val="solid"/>
+          <a:miter lim="800000"/>
+        </a:ln>
+      </a:lnStyleLst>
+      <a:effectStyleLst>
+        <a:effectStyle>
+          <a:effectLst/>
+        </a:effectStyle>
+        <a:effectStyle>
+          <a:effectLst/>
+        </a:effectStyle>
+        <a:effectStyle>
+          <a:effectLst>
+            <a:outerShdw blurRad="57150" dist="19050" dir="5400000" algn="ctr" rotWithShape="0">
+              <a:srgbClr val="000000">
+                <a:alpha val="63000"/>
+              </a:srgbClr>
+            </a:outerShdw>
+          </a:effectLst>
+        </a:effectStyle>
+      </a:effectStyleLst>
+      <a:bgFillStyleLst>
+        <a:solidFill>
+          <a:schemeClr val="phClr"/>
+        </a:solidFill>
+        <a:solidFill>
+          <a:schemeClr val="phClr">
+            <a:tint val="95000"/>
+            <a:satMod val="170000"/>
+          </a:schemeClr>
+        </a:solidFill>
+        <a:gradFill rotWithShape="1">
+          <a:gsLst>
+            <a:gs pos="0">
+              <a:schemeClr val="phClr">
+                <a:tint val="93000"/>
+                <a:satMod val="150000"/>
+                <a:shade val="98000"/>
+                <a:lumMod val="102000"/>
+              </a:schemeClr>
+            </a:gs>
+            <a:gs pos="50000">
+              <a:schemeClr val="phClr">
+                <a:tint val="98000"/>
+                <a:satMod val="130000"/>
+                <a:shade val="90000"/>
+                <a:lumMod val="103000"/>
+              </a:schemeClr>
+            </a:gs>
+            <a:gs pos="100000">
+              <a:schemeClr val="phClr">
+                <a:shade val="63000"/>
+                <a:satMod val="120000"/>
+              </a:schemeClr>
+            </a:gs>
+          </a:gsLst>
+          <a:lin ang="5400000" scaled="0"/>
+        </a:gradFill>
+      </a:bgFillStyleLst>
+    </a:fmtScheme>
+  </a:themeElements>
+  <a:objectDefaults>
+    <a:lnDef>
+      <a:spPr/>
+      <a:bodyPr/>
+      <a:lstStyle/>
+      <a:style>
+        <a:lnRef idx="2">
+          <a:schemeClr val="accent1"/>
+        </a:lnRef>
+        <a:fillRef idx="0">
+          <a:schemeClr val="accent1"/>
+        </a:fillRef>
+        <a:effectRef idx="1">
+          <a:schemeClr val="accent1"/>
+        </a:effectRef>
+        <a:fontRef idx="minor">
+          <a:schemeClr val="tx1"/>
+        </a:fontRef>
+      </a:style>
+    </a:lnDef>
+  </a:objectDefaults>
+  <a:extraClrSchemeLst/>
+  <a:extLst>
+    <a:ext uri="{05A4C25C-085E-4340-85A3-A5531E510DB2}">
+      <thm15:themeFamily xmlns:thm15="http://schemas.microsoft.com/office/thememl/2012/main" name="Office Theme" id="{2E142A2C-CD16-42D6-873A-C26D2A0506FA}" vid="{1BDDFF52-6CD6-40A5-AB3C-68EB2F1E4D0A}"/>
+    </a:ext>
+  </a:extLst>
+</a:theme>
 </file>